--- a/doc/Архитектура и шаблоны проектирования.pptx
+++ b/doc/Архитектура и шаблоны проектирования.pptx
@@ -10514,7 +10514,7 @@
     <a:masterClrMapping/>
   </p:clrMapOvr>
   <mc:AlternateContent xmlns:mc="http://schemas.openxmlformats.org/markup-compatibility/2006">
-    <mc:Choice xmlns:p15="http://schemas.microsoft.com/office/powerpoint/2012/main" xmlns:p14="http://schemas.microsoft.com/office/powerpoint/2010/main" xmlns="" Requires="p14">
+    <mc:Choice xmlns="" xmlns:p14="http://schemas.microsoft.com/office/powerpoint/2010/main" xmlns:p15="http://schemas.microsoft.com/office/powerpoint/2012/main" Requires="p14">
       <p:transition spd="slow" p14:dur="2000"/>
     </mc:Choice>
     <mc:Fallback>
@@ -10612,7 +10612,7 @@
     <a:masterClrMapping/>
   </p:clrMapOvr>
   <mc:AlternateContent xmlns:mc="http://schemas.openxmlformats.org/markup-compatibility/2006">
-    <mc:Choice xmlns:p15="http://schemas.microsoft.com/office/powerpoint/2012/main" xmlns:p14="http://schemas.microsoft.com/office/powerpoint/2010/main" xmlns="" Requires="p14">
+    <mc:Choice xmlns="" xmlns:p14="http://schemas.microsoft.com/office/powerpoint/2010/main" xmlns:p15="http://schemas.microsoft.com/office/powerpoint/2012/main" Requires="p14">
       <p:transition spd="slow" p14:dur="2000"/>
     </mc:Choice>
     <mc:Fallback>
@@ -10766,7 +10766,7 @@
     <a:masterClrMapping/>
   </p:clrMapOvr>
   <mc:AlternateContent xmlns:mc="http://schemas.openxmlformats.org/markup-compatibility/2006">
-    <mc:Choice xmlns:p15="http://schemas.microsoft.com/office/powerpoint/2012/main" xmlns:p14="http://schemas.microsoft.com/office/powerpoint/2010/main" xmlns="" Requires="p14">
+    <mc:Choice xmlns="" xmlns:p14="http://schemas.microsoft.com/office/powerpoint/2010/main" xmlns:p15="http://schemas.microsoft.com/office/powerpoint/2012/main" Requires="p14">
       <p:transition spd="slow" p14:dur="2000"/>
     </mc:Choice>
     <mc:Fallback>
@@ -11088,7 +11088,7 @@
     <a:masterClrMapping/>
   </p:clrMapOvr>
   <mc:AlternateContent xmlns:mc="http://schemas.openxmlformats.org/markup-compatibility/2006">
-    <mc:Choice xmlns:p15="http://schemas.microsoft.com/office/powerpoint/2012/main" xmlns:p14="http://schemas.microsoft.com/office/powerpoint/2010/main" xmlns="" Requires="p14">
+    <mc:Choice xmlns="" xmlns:p14="http://schemas.microsoft.com/office/powerpoint/2010/main" xmlns:p15="http://schemas.microsoft.com/office/powerpoint/2012/main" Requires="p14">
       <p:transition spd="slow" p14:dur="2000"/>
     </mc:Choice>
     <mc:Fallback>
@@ -11659,7 +11659,7 @@
     <a:masterClrMapping/>
   </p:clrMapOvr>
   <mc:AlternateContent xmlns:mc="http://schemas.openxmlformats.org/markup-compatibility/2006">
-    <mc:Choice xmlns:p15="http://schemas.microsoft.com/office/powerpoint/2012/main" xmlns:p14="http://schemas.microsoft.com/office/powerpoint/2010/main" xmlns="" Requires="p14">
+    <mc:Choice xmlns="" xmlns:p14="http://schemas.microsoft.com/office/powerpoint/2010/main" xmlns:p15="http://schemas.microsoft.com/office/powerpoint/2012/main" Requires="p14">
       <p:transition spd="slow" p14:dur="2000"/>
     </mc:Choice>
     <mc:Fallback>
@@ -11755,7 +11755,7 @@
         </p:nvGraphicFramePr>
         <p:xfrm>
           <a:off x="952560" y="2058840"/>
-          <a:ext cx="7238520" cy="1302480"/>
+          <a:ext cx="7238520" cy="1736640"/>
         </p:xfrm>
         <a:graphic>
           <a:graphicData uri="http://schemas.openxmlformats.org/drawingml/2006/table">
@@ -11975,7 +11975,7 @@
                         </a:tabLst>
                       </a:pPr>
                       <a:r>
-                        <a:rPr lang="ru" sz="1400" b="1" strike="noStrike" spc="-1">
+                        <a:rPr lang="ru" sz="1400" b="1" strike="noStrike" spc="-1" dirty="0">
                           <a:solidFill>
                             <a:srgbClr val="013D85"/>
                           </a:solidFill>
@@ -11984,7 +11984,7 @@
                         </a:rPr>
                         <a:t>3.</a:t>
                       </a:r>
-                      <a:endParaRPr lang="ru-RU" sz="1400" b="0" strike="noStrike" spc="-1">
+                      <a:endParaRPr lang="ru-RU" sz="1400" b="0" strike="noStrike" spc="-1" dirty="0">
                         <a:latin typeface="Arial"/>
                       </a:endParaRPr>
                     </a:p>
@@ -11999,6 +11999,120 @@
                       <a:solidFill>
                         <a:srgbClr val="FFFFFF"/>
                       </a:solidFill>
+                    </a:lnR>
+                    <a:lnT w="9360">
+                      <a:solidFill>
+                        <a:srgbClr val="BFC1F0"/>
+                      </a:solidFill>
+                    </a:lnT>
+                    <a:lnB w="9360" cap="flat" cmpd="sng" algn="ctr">
+                      <a:solidFill>
+                        <a:srgbClr val="BFC1F0"/>
+                      </a:solidFill>
+                      <a:prstDash val="solid"/>
+                      <a:round/>
+                      <a:headEnd type="none" w="med" len="med"/>
+                      <a:tailEnd type="none" w="med" len="med"/>
+                    </a:lnB>
+                    <a:noFill/>
+                  </a:tcPr>
+                </a:tc>
+                <a:tc>
+                  <a:txBody>
+                    <a:bodyPr/>
+                    <a:lstStyle/>
+                    <a:p>
+                      <a:pPr>
+                        <a:lnSpc>
+                          <a:spcPct val="100000"/>
+                        </a:lnSpc>
+                      </a:pPr>
+                      <a:r>
+                        <a:rPr lang="ru-RU" sz="1800" b="0" strike="noStrike" spc="-1" dirty="0">
+                          <a:latin typeface="Arial"/>
+                        </a:rPr>
+                        <a:t>Практика написания тестов</a:t>
+                      </a:r>
+                    </a:p>
+                  </a:txBody>
+                  <a:tcPr marL="198000" marR="91080">
+                    <a:lnL w="9360">
+                      <a:solidFill>
+                        <a:srgbClr val="FFFFFF"/>
+                      </a:solidFill>
+                    </a:lnL>
+                    <a:lnR w="9360">
+                      <a:solidFill>
+                        <a:srgbClr val="BFC1F0"/>
+                      </a:solidFill>
+                    </a:lnR>
+                    <a:lnT w="9360">
+                      <a:solidFill>
+                        <a:srgbClr val="BFC1F0"/>
+                      </a:solidFill>
+                    </a:lnT>
+                    <a:lnB w="9360" cap="flat" cmpd="sng" algn="ctr">
+                      <a:solidFill>
+                        <a:srgbClr val="BFC1F0"/>
+                      </a:solidFill>
+                      <a:prstDash val="solid"/>
+                      <a:round/>
+                      <a:headEnd type="none" w="med" len="med"/>
+                      <a:tailEnd type="none" w="med" len="med"/>
+                    </a:lnB>
+                    <a:noFill/>
+                  </a:tcPr>
+                </a:tc>
+              </a:tr>
+              <a:tr h="434160">
+                <a:tc>
+                  <a:txBody>
+                    <a:bodyPr/>
+                    <a:lstStyle/>
+                    <a:p>
+                      <a:pPr>
+                        <a:lnSpc>
+                          <a:spcPct val="100000"/>
+                        </a:lnSpc>
+                        <a:tabLst>
+                          <a:tab pos="0" algn="l"/>
+                        </a:tabLst>
+                      </a:pPr>
+                      <a:r>
+                        <a:rPr lang="en-US" sz="1400" b="1" strike="noStrike" spc="-1" dirty="0" smtClean="0">
+                          <a:solidFill>
+                            <a:srgbClr val="013D85"/>
+                          </a:solidFill>
+                          <a:latin typeface="Roboto"/>
+                          <a:ea typeface="Roboto"/>
+                          <a:cs typeface="+mn-cs"/>
+                        </a:rPr>
+                        <a:t>4.</a:t>
+                      </a:r>
+                      <a:endParaRPr lang="ru-RU" sz="1400" b="1" strike="noStrike" spc="-1" dirty="0">
+                        <a:solidFill>
+                          <a:srgbClr val="013D85"/>
+                        </a:solidFill>
+                        <a:latin typeface="Roboto"/>
+                        <a:ea typeface="Roboto"/>
+                        <a:cs typeface="+mn-cs"/>
+                      </a:endParaRPr>
+                    </a:p>
+                  </a:txBody>
+                  <a:tcPr marL="198000" marR="91080">
+                    <a:lnL w="9360">
+                      <a:solidFill>
+                        <a:srgbClr val="BFC1F0"/>
+                      </a:solidFill>
+                    </a:lnL>
+                    <a:lnR w="9360" cap="flat" cmpd="sng" algn="ctr">
+                      <a:solidFill>
+                        <a:srgbClr val="FFFFFF"/>
+                      </a:solidFill>
+                      <a:prstDash val="solid"/>
+                      <a:round/>
+                      <a:headEnd type="none" w="med" len="med"/>
+                      <a:tailEnd type="none" w="med" len="med"/>
                     </a:lnR>
                     <a:lnT w="9360">
                       <a:solidFill>
@@ -12024,18 +12138,25 @@
                         </a:lnSpc>
                       </a:pPr>
                       <a:r>
-                        <a:rPr lang="ru-RU" sz="1800" b="0" strike="noStrike" spc="-1">
+                        <a:rPr lang="ru-RU" sz="1800" b="0" strike="noStrike" spc="-1" dirty="0" smtClean="0">
                           <a:latin typeface="Arial"/>
                         </a:rPr>
-                        <a:t>Практика написания тестов</a:t>
+                        <a:t>Практика в тестах</a:t>
                       </a:r>
+                      <a:endParaRPr lang="ru-RU" sz="1800" b="0" strike="noStrike" spc="-1" dirty="0">
+                        <a:latin typeface="Arial"/>
+                      </a:endParaRPr>
                     </a:p>
                   </a:txBody>
                   <a:tcPr marL="198000" marR="91080">
-                    <a:lnL w="9360">
+                    <a:lnL w="9360" cap="flat" cmpd="sng" algn="ctr">
                       <a:solidFill>
                         <a:srgbClr val="FFFFFF"/>
                       </a:solidFill>
+                      <a:prstDash val="solid"/>
+                      <a:round/>
+                      <a:headEnd type="none" w="med" len="med"/>
+                      <a:tailEnd type="none" w="med" len="med"/>
                     </a:lnL>
                     <a:lnR w="9360">
                       <a:solidFill>
@@ -12066,7 +12187,7 @@
     <a:masterClrMapping/>
   </p:clrMapOvr>
   <mc:AlternateContent xmlns:mc="http://schemas.openxmlformats.org/markup-compatibility/2006">
-    <mc:Choice xmlns:p15="http://schemas.microsoft.com/office/powerpoint/2012/main" xmlns:p14="http://schemas.microsoft.com/office/powerpoint/2010/main" xmlns="" Requires="p14">
+    <mc:Choice xmlns="" xmlns:p14="http://schemas.microsoft.com/office/powerpoint/2010/main" xmlns:p15="http://schemas.microsoft.com/office/powerpoint/2012/main" Requires="p14">
       <p:transition spd="slow" p14:dur="2000"/>
     </mc:Choice>
     <mc:Fallback>
@@ -12600,7 +12721,7 @@
     <a:masterClrMapping/>
   </p:clrMapOvr>
   <mc:AlternateContent xmlns:mc="http://schemas.openxmlformats.org/markup-compatibility/2006">
-    <mc:Choice xmlns:p15="http://schemas.microsoft.com/office/powerpoint/2012/main" xmlns:p14="http://schemas.microsoft.com/office/powerpoint/2010/main" xmlns="" Requires="p14">
+    <mc:Choice xmlns="" xmlns:p14="http://schemas.microsoft.com/office/powerpoint/2010/main" xmlns:p15="http://schemas.microsoft.com/office/powerpoint/2012/main" Requires="p14">
       <p:transition spd="slow" p14:dur="2000"/>
     </mc:Choice>
     <mc:Fallback>
@@ -12933,7 +13054,7 @@
     <a:masterClrMapping/>
   </p:clrMapOvr>
   <mc:AlternateContent xmlns:mc="http://schemas.openxmlformats.org/markup-compatibility/2006">
-    <mc:Choice xmlns:p15="http://schemas.microsoft.com/office/powerpoint/2012/main" xmlns:p14="http://schemas.microsoft.com/office/powerpoint/2010/main" xmlns="" Requires="p14">
+    <mc:Choice xmlns="" xmlns:p14="http://schemas.microsoft.com/office/powerpoint/2010/main" xmlns:p15="http://schemas.microsoft.com/office/powerpoint/2012/main" Requires="p14">
       <p:transition spd="slow" p14:dur="2000"/>
     </mc:Choice>
     <mc:Fallback>
@@ -13022,7 +13143,7 @@
     <a:masterClrMapping/>
   </p:clrMapOvr>
   <mc:AlternateContent xmlns:mc="http://schemas.openxmlformats.org/markup-compatibility/2006">
-    <mc:Choice xmlns:p15="http://schemas.microsoft.com/office/powerpoint/2012/main" xmlns:p14="http://schemas.microsoft.com/office/powerpoint/2010/main" xmlns="" Requires="p14">
+    <mc:Choice xmlns="" xmlns:p14="http://schemas.microsoft.com/office/powerpoint/2010/main" xmlns:p15="http://schemas.microsoft.com/office/powerpoint/2012/main" Requires="p14">
       <p:transition spd="slow" p14:dur="2000"/>
     </mc:Choice>
     <mc:Fallback>
@@ -13580,7 +13701,7 @@
     <a:masterClrMapping/>
   </p:clrMapOvr>
   <mc:AlternateContent xmlns:mc="http://schemas.openxmlformats.org/markup-compatibility/2006">
-    <mc:Choice xmlns:p15="http://schemas.microsoft.com/office/powerpoint/2012/main" xmlns:p14="http://schemas.microsoft.com/office/powerpoint/2010/main" xmlns="" Requires="p14">
+    <mc:Choice xmlns="" xmlns:p14="http://schemas.microsoft.com/office/powerpoint/2010/main" xmlns:p15="http://schemas.microsoft.com/office/powerpoint/2012/main" Requires="p14">
       <p:transition spd="slow" p14:dur="2000"/>
     </mc:Choice>
     <mc:Fallback>

--- a/doc/Архитектура и шаблоны проектирования.pptx
+++ b/doc/Архитектура и шаблоны проектирования.pptx
@@ -6,20 +6,17 @@
     <p:sldMasterId id="2147483661" r:id="rId2"/>
     <p:sldMasterId id="2147483674" r:id="rId3"/>
     <p:sldMasterId id="2147483687" r:id="rId4"/>
-    <p:sldMasterId id="2147483700" r:id="rId5"/>
-    <p:sldMasterId id="2147483713" r:id="rId6"/>
+    <p:sldMasterId id="2147483713" r:id="rId5"/>
   </p:sldMasterIdLst>
   <p:sldIdLst>
-    <p:sldId id="256" r:id="rId7"/>
-    <p:sldId id="257" r:id="rId8"/>
-    <p:sldId id="258" r:id="rId9"/>
-    <p:sldId id="259" r:id="rId10"/>
-    <p:sldId id="260" r:id="rId11"/>
-    <p:sldId id="261" r:id="rId12"/>
-    <p:sldId id="262" r:id="rId13"/>
-    <p:sldId id="263" r:id="rId14"/>
-    <p:sldId id="264" r:id="rId15"/>
-    <p:sldId id="265" r:id="rId16"/>
+    <p:sldId id="256" r:id="rId6"/>
+    <p:sldId id="257" r:id="rId7"/>
+    <p:sldId id="258" r:id="rId8"/>
+    <p:sldId id="259" r:id="rId9"/>
+    <p:sldId id="260" r:id="rId10"/>
+    <p:sldId id="261" r:id="rId11"/>
+    <p:sldId id="264" r:id="rId12"/>
+    <p:sldId id="265" r:id="rId13"/>
   </p:sldIdLst>
   <p:sldSz cx="9144000" cy="5143500" type="screen16x9"/>
   <p:notesSz cx="7559675" cy="10691813"/>
@@ -5370,7 +5367,7 @@
       </p:grpSpPr>
       <p:sp>
         <p:nvSpPr>
-          <p:cNvPr id="156" name="PlaceHolder 1"/>
+          <p:cNvPr id="195" name="PlaceHolder 1"/>
           <p:cNvSpPr>
             <a:spLocks noGrp="1"/>
           </p:cNvSpPr>
@@ -5402,7 +5399,7 @@
       </p:sp>
       <p:sp>
         <p:nvSpPr>
-          <p:cNvPr id="157" name="PlaceHolder 2"/>
+          <p:cNvPr id="196" name="PlaceHolder 2"/>
           <p:cNvSpPr>
             <a:spLocks noGrp="1"/>
           </p:cNvSpPr>
@@ -5459,7 +5456,7 @@
       </p:grpSpPr>
       <p:sp>
         <p:nvSpPr>
-          <p:cNvPr id="158" name="PlaceHolder 1"/>
+          <p:cNvPr id="197" name="PlaceHolder 1"/>
           <p:cNvSpPr>
             <a:spLocks noGrp="1"/>
           </p:cNvSpPr>
@@ -5491,7 +5488,7 @@
       </p:sp>
       <p:sp>
         <p:nvSpPr>
-          <p:cNvPr id="159" name="PlaceHolder 2"/>
+          <p:cNvPr id="198" name="PlaceHolder 2"/>
           <p:cNvSpPr>
             <a:spLocks noGrp="1"/>
           </p:cNvSpPr>
@@ -5547,7 +5544,7 @@
       </p:grpSpPr>
       <p:sp>
         <p:nvSpPr>
-          <p:cNvPr id="160" name="PlaceHolder 1"/>
+          <p:cNvPr id="199" name="PlaceHolder 1"/>
           <p:cNvSpPr>
             <a:spLocks noGrp="1"/>
           </p:cNvSpPr>
@@ -5579,7 +5576,7 @@
       </p:sp>
       <p:sp>
         <p:nvSpPr>
-          <p:cNvPr id="161" name="PlaceHolder 2"/>
+          <p:cNvPr id="200" name="PlaceHolder 2"/>
           <p:cNvSpPr>
             <a:spLocks noGrp="1"/>
           </p:cNvSpPr>
@@ -5610,7 +5607,7 @@
       </p:sp>
       <p:sp>
         <p:nvSpPr>
-          <p:cNvPr id="162" name="PlaceHolder 3"/>
+          <p:cNvPr id="201" name="PlaceHolder 3"/>
           <p:cNvSpPr>
             <a:spLocks noGrp="1"/>
           </p:cNvSpPr>
@@ -5666,7 +5663,7 @@
       </p:grpSpPr>
       <p:sp>
         <p:nvSpPr>
-          <p:cNvPr id="163" name="PlaceHolder 1"/>
+          <p:cNvPr id="202" name="PlaceHolder 1"/>
           <p:cNvSpPr>
             <a:spLocks noGrp="1"/>
           </p:cNvSpPr>
@@ -5723,7 +5720,7 @@
       </p:grpSpPr>
       <p:sp>
         <p:nvSpPr>
-          <p:cNvPr id="164" name="PlaceHolder 1"/>
+          <p:cNvPr id="203" name="PlaceHolder 1"/>
           <p:cNvSpPr>
             <a:spLocks noGrp="1"/>
           </p:cNvSpPr>
@@ -5780,7 +5777,7 @@
       </p:grpSpPr>
       <p:sp>
         <p:nvSpPr>
-          <p:cNvPr id="165" name="PlaceHolder 1"/>
+          <p:cNvPr id="204" name="PlaceHolder 1"/>
           <p:cNvSpPr>
             <a:spLocks noGrp="1"/>
           </p:cNvSpPr>
@@ -5812,7 +5809,7 @@
       </p:sp>
       <p:sp>
         <p:nvSpPr>
-          <p:cNvPr id="166" name="PlaceHolder 2"/>
+          <p:cNvPr id="205" name="PlaceHolder 2"/>
           <p:cNvSpPr>
             <a:spLocks noGrp="1"/>
           </p:cNvSpPr>
@@ -5843,7 +5840,7 @@
       </p:sp>
       <p:sp>
         <p:nvSpPr>
-          <p:cNvPr id="167" name="PlaceHolder 3"/>
+          <p:cNvPr id="206" name="PlaceHolder 3"/>
           <p:cNvSpPr>
             <a:spLocks noGrp="1"/>
           </p:cNvSpPr>
@@ -5874,7 +5871,7 @@
       </p:sp>
       <p:sp>
         <p:nvSpPr>
-          <p:cNvPr id="168" name="PlaceHolder 4"/>
+          <p:cNvPr id="207" name="PlaceHolder 4"/>
           <p:cNvSpPr>
             <a:spLocks noGrp="1"/>
           </p:cNvSpPr>
@@ -5930,7 +5927,7 @@
       </p:grpSpPr>
       <p:sp>
         <p:nvSpPr>
-          <p:cNvPr id="169" name="PlaceHolder 1"/>
+          <p:cNvPr id="208" name="PlaceHolder 1"/>
           <p:cNvSpPr>
             <a:spLocks noGrp="1"/>
           </p:cNvSpPr>
@@ -5962,7 +5959,7 @@
       </p:sp>
       <p:sp>
         <p:nvSpPr>
-          <p:cNvPr id="170" name="PlaceHolder 2"/>
+          <p:cNvPr id="209" name="PlaceHolder 2"/>
           <p:cNvSpPr>
             <a:spLocks noGrp="1"/>
           </p:cNvSpPr>
@@ -5993,7 +5990,7 @@
       </p:sp>
       <p:sp>
         <p:nvSpPr>
-          <p:cNvPr id="171" name="PlaceHolder 3"/>
+          <p:cNvPr id="210" name="PlaceHolder 3"/>
           <p:cNvSpPr>
             <a:spLocks noGrp="1"/>
           </p:cNvSpPr>
@@ -6024,7 +6021,7 @@
       </p:sp>
       <p:sp>
         <p:nvSpPr>
-          <p:cNvPr id="172" name="PlaceHolder 4"/>
+          <p:cNvPr id="211" name="PlaceHolder 4"/>
           <p:cNvSpPr>
             <a:spLocks noGrp="1"/>
           </p:cNvSpPr>
@@ -6080,7 +6077,7 @@
       </p:grpSpPr>
       <p:sp>
         <p:nvSpPr>
-          <p:cNvPr id="173" name="PlaceHolder 1"/>
+          <p:cNvPr id="212" name="PlaceHolder 1"/>
           <p:cNvSpPr>
             <a:spLocks noGrp="1"/>
           </p:cNvSpPr>
@@ -6112,7 +6109,7 @@
       </p:sp>
       <p:sp>
         <p:nvSpPr>
-          <p:cNvPr id="174" name="PlaceHolder 2"/>
+          <p:cNvPr id="213" name="PlaceHolder 2"/>
           <p:cNvSpPr>
             <a:spLocks noGrp="1"/>
           </p:cNvSpPr>
@@ -6143,7 +6140,7 @@
       </p:sp>
       <p:sp>
         <p:nvSpPr>
-          <p:cNvPr id="175" name="PlaceHolder 3"/>
+          <p:cNvPr id="214" name="PlaceHolder 3"/>
           <p:cNvSpPr>
             <a:spLocks noGrp="1"/>
           </p:cNvSpPr>
@@ -6174,7 +6171,7 @@
       </p:sp>
       <p:sp>
         <p:nvSpPr>
-          <p:cNvPr id="176" name="PlaceHolder 4"/>
+          <p:cNvPr id="215" name="PlaceHolder 4"/>
           <p:cNvSpPr>
             <a:spLocks noGrp="1"/>
           </p:cNvSpPr>
@@ -6230,7 +6227,7 @@
       </p:grpSpPr>
       <p:sp>
         <p:nvSpPr>
-          <p:cNvPr id="177" name="PlaceHolder 1"/>
+          <p:cNvPr id="216" name="PlaceHolder 1"/>
           <p:cNvSpPr>
             <a:spLocks noGrp="1"/>
           </p:cNvSpPr>
@@ -6262,7 +6259,7 @@
       </p:sp>
       <p:sp>
         <p:nvSpPr>
-          <p:cNvPr id="178" name="PlaceHolder 2"/>
+          <p:cNvPr id="217" name="PlaceHolder 2"/>
           <p:cNvSpPr>
             <a:spLocks noGrp="1"/>
           </p:cNvSpPr>
@@ -6293,7 +6290,7 @@
       </p:sp>
       <p:sp>
         <p:nvSpPr>
-          <p:cNvPr id="179" name="PlaceHolder 3"/>
+          <p:cNvPr id="218" name="PlaceHolder 3"/>
           <p:cNvSpPr>
             <a:spLocks noGrp="1"/>
           </p:cNvSpPr>
@@ -6349,7 +6346,7 @@
       </p:grpSpPr>
       <p:sp>
         <p:nvSpPr>
-          <p:cNvPr id="180" name="PlaceHolder 1"/>
+          <p:cNvPr id="219" name="PlaceHolder 1"/>
           <p:cNvSpPr>
             <a:spLocks noGrp="1"/>
           </p:cNvSpPr>
@@ -6381,7 +6378,7 @@
       </p:sp>
       <p:sp>
         <p:nvSpPr>
-          <p:cNvPr id="181" name="PlaceHolder 2"/>
+          <p:cNvPr id="220" name="PlaceHolder 2"/>
           <p:cNvSpPr>
             <a:spLocks noGrp="1"/>
           </p:cNvSpPr>
@@ -6412,7 +6409,7 @@
       </p:sp>
       <p:sp>
         <p:nvSpPr>
-          <p:cNvPr id="182" name="PlaceHolder 3"/>
+          <p:cNvPr id="221" name="PlaceHolder 3"/>
           <p:cNvSpPr>
             <a:spLocks noGrp="1"/>
           </p:cNvSpPr>
@@ -6443,7 +6440,7 @@
       </p:sp>
       <p:sp>
         <p:nvSpPr>
-          <p:cNvPr id="183" name="PlaceHolder 4"/>
+          <p:cNvPr id="222" name="PlaceHolder 4"/>
           <p:cNvSpPr>
             <a:spLocks noGrp="1"/>
           </p:cNvSpPr>
@@ -6474,7 +6471,7 @@
       </p:sp>
       <p:sp>
         <p:nvSpPr>
-          <p:cNvPr id="184" name="PlaceHolder 5"/>
+          <p:cNvPr id="223" name="PlaceHolder 5"/>
           <p:cNvSpPr>
             <a:spLocks noGrp="1"/>
           </p:cNvSpPr>
@@ -6587,7 +6584,7 @@
       </p:grpSpPr>
       <p:sp>
         <p:nvSpPr>
-          <p:cNvPr id="185" name="PlaceHolder 1"/>
+          <p:cNvPr id="224" name="PlaceHolder 1"/>
           <p:cNvSpPr>
             <a:spLocks noGrp="1"/>
           </p:cNvSpPr>
@@ -6619,7 +6616,7 @@
       </p:sp>
       <p:sp>
         <p:nvSpPr>
-          <p:cNvPr id="186" name="PlaceHolder 2"/>
+          <p:cNvPr id="225" name="PlaceHolder 2"/>
           <p:cNvSpPr>
             <a:spLocks noGrp="1"/>
           </p:cNvSpPr>
@@ -6650,7 +6647,7 @@
       </p:sp>
       <p:sp>
         <p:nvSpPr>
-          <p:cNvPr id="187" name="PlaceHolder 3"/>
+          <p:cNvPr id="226" name="PlaceHolder 3"/>
           <p:cNvSpPr>
             <a:spLocks noGrp="1"/>
           </p:cNvSpPr>
@@ -6681,7 +6678,7 @@
       </p:sp>
       <p:sp>
         <p:nvSpPr>
-          <p:cNvPr id="188" name="PlaceHolder 4"/>
+          <p:cNvPr id="227" name="PlaceHolder 4"/>
           <p:cNvSpPr>
             <a:spLocks noGrp="1"/>
           </p:cNvSpPr>
@@ -6712,7 +6709,7 @@
       </p:sp>
       <p:sp>
         <p:nvSpPr>
-          <p:cNvPr id="189" name="PlaceHolder 5"/>
+          <p:cNvPr id="228" name="PlaceHolder 5"/>
           <p:cNvSpPr>
             <a:spLocks noGrp="1"/>
           </p:cNvSpPr>
@@ -6743,7 +6740,7 @@
       </p:sp>
       <p:sp>
         <p:nvSpPr>
-          <p:cNvPr id="190" name="PlaceHolder 6"/>
+          <p:cNvPr id="229" name="PlaceHolder 6"/>
           <p:cNvSpPr>
             <a:spLocks noGrp="1"/>
           </p:cNvSpPr>
@@ -6774,7 +6771,7 @@
       </p:sp>
       <p:sp>
         <p:nvSpPr>
-          <p:cNvPr id="191" name="PlaceHolder 7"/>
+          <p:cNvPr id="230" name="PlaceHolder 7"/>
           <p:cNvSpPr>
             <a:spLocks noGrp="1"/>
           </p:cNvSpPr>
@@ -6786,891 +6783,6 @@
           <a:xfrm>
             <a:off x="6022080" y="2761920"/>
             <a:ext cx="2649600" cy="1422720"/>
-          </a:xfrm>
-          <a:prstGeom prst="rect">
-            <a:avLst/>
-          </a:prstGeom>
-        </p:spPr>
-        <p:txBody>
-          <a:bodyPr lIns="0" tIns="0" rIns="0" bIns="0">
-            <a:normAutofit/>
-          </a:bodyPr>
-          <a:lstStyle/>
-          <a:p>
-            <a:endParaRPr lang="ru-RU" sz="3200" b="0" strike="noStrike" spc="-1">
-              <a:latin typeface="Arial"/>
-            </a:endParaRPr>
-          </a:p>
-        </p:txBody>
-      </p:sp>
-    </p:spTree>
-  </p:cSld>
-  <p:clrMapOvr>
-    <a:masterClrMapping/>
-  </p:clrMapOvr>
-</p:sldLayout>
-</file>
-
-<file path=ppt/slideLayouts/slideLayout61.xml><?xml version="1.0" encoding="utf-8"?>
-<p:sldLayout xmlns:a="http://schemas.openxmlformats.org/drawingml/2006/main" xmlns:r="http://schemas.openxmlformats.org/officeDocument/2006/relationships" xmlns:p="http://schemas.openxmlformats.org/presentationml/2006/main" type="blank" preserve="1">
-  <p:cSld name="Blank Slide">
-    <p:spTree>
-      <p:nvGrpSpPr>
-        <p:cNvPr id="1" name=""/>
-        <p:cNvGrpSpPr/>
-        <p:nvPr/>
-      </p:nvGrpSpPr>
-      <p:grpSpPr>
-        <a:xfrm>
-          <a:off x="0" y="0"/>
-          <a:ext cx="0" cy="0"/>
-          <a:chOff x="0" y="0"/>
-          <a:chExt cx="0" cy="0"/>
-        </a:xfrm>
-      </p:grpSpPr>
-    </p:spTree>
-  </p:cSld>
-  <p:clrMapOvr>
-    <a:masterClrMapping/>
-  </p:clrMapOvr>
-</p:sldLayout>
-</file>
-
-<file path=ppt/slideLayouts/slideLayout62.xml><?xml version="1.0" encoding="utf-8"?>
-<p:sldLayout xmlns:a="http://schemas.openxmlformats.org/drawingml/2006/main" xmlns:r="http://schemas.openxmlformats.org/officeDocument/2006/relationships" xmlns:p="http://schemas.openxmlformats.org/presentationml/2006/main" type="tx" preserve="1">
-  <p:cSld name="Title Slide">
-    <p:spTree>
-      <p:nvGrpSpPr>
-        <p:cNvPr id="1" name=""/>
-        <p:cNvGrpSpPr/>
-        <p:nvPr/>
-      </p:nvGrpSpPr>
-      <p:grpSpPr>
-        <a:xfrm>
-          <a:off x="0" y="0"/>
-          <a:ext cx="0" cy="0"/>
-          <a:chOff x="0" y="0"/>
-          <a:chExt cx="0" cy="0"/>
-        </a:xfrm>
-      </p:grpSpPr>
-      <p:sp>
-        <p:nvSpPr>
-          <p:cNvPr id="195" name="PlaceHolder 1"/>
-          <p:cNvSpPr>
-            <a:spLocks noGrp="1"/>
-          </p:cNvSpPr>
-          <p:nvPr>
-            <p:ph type="title"/>
-          </p:nvPr>
-        </p:nvSpPr>
-        <p:spPr>
-          <a:xfrm>
-            <a:off x="457200" y="205200"/>
-            <a:ext cx="8229240" cy="858600"/>
-          </a:xfrm>
-          <a:prstGeom prst="rect">
-            <a:avLst/>
-          </a:prstGeom>
-        </p:spPr>
-        <p:txBody>
-          <a:bodyPr lIns="0" tIns="0" rIns="0" bIns="0" anchor="ctr">
-            <a:noAutofit/>
-          </a:bodyPr>
-          <a:lstStyle/>
-          <a:p>
-            <a:pPr algn="ctr"/>
-            <a:endParaRPr lang="ru-RU" sz="4400" b="0" strike="noStrike" spc="-1">
-              <a:latin typeface="Arial"/>
-            </a:endParaRPr>
-          </a:p>
-        </p:txBody>
-      </p:sp>
-      <p:sp>
-        <p:nvSpPr>
-          <p:cNvPr id="196" name="PlaceHolder 2"/>
-          <p:cNvSpPr>
-            <a:spLocks noGrp="1"/>
-          </p:cNvSpPr>
-          <p:nvPr>
-            <p:ph type="subTitle"/>
-          </p:nvPr>
-        </p:nvSpPr>
-        <p:spPr>
-          <a:xfrm>
-            <a:off x="457200" y="1203480"/>
-            <a:ext cx="8229240" cy="2982960"/>
-          </a:xfrm>
-          <a:prstGeom prst="rect">
-            <a:avLst/>
-          </a:prstGeom>
-        </p:spPr>
-        <p:txBody>
-          <a:bodyPr lIns="0" tIns="0" rIns="0" bIns="0" anchor="ctr">
-            <a:noAutofit/>
-          </a:bodyPr>
-          <a:lstStyle/>
-          <a:p>
-            <a:pPr algn="ctr"/>
-            <a:endParaRPr lang="ru-RU" sz="3200" b="0" strike="noStrike" spc="-1">
-              <a:latin typeface="Arial"/>
-            </a:endParaRPr>
-          </a:p>
-        </p:txBody>
-      </p:sp>
-    </p:spTree>
-  </p:cSld>
-  <p:clrMapOvr>
-    <a:masterClrMapping/>
-  </p:clrMapOvr>
-</p:sldLayout>
-</file>
-
-<file path=ppt/slideLayouts/slideLayout63.xml><?xml version="1.0" encoding="utf-8"?>
-<p:sldLayout xmlns:a="http://schemas.openxmlformats.org/drawingml/2006/main" xmlns:r="http://schemas.openxmlformats.org/officeDocument/2006/relationships" xmlns:p="http://schemas.openxmlformats.org/presentationml/2006/main" type="obj" preserve="1">
-  <p:cSld name="Title, Content">
-    <p:spTree>
-      <p:nvGrpSpPr>
-        <p:cNvPr id="1" name=""/>
-        <p:cNvGrpSpPr/>
-        <p:nvPr/>
-      </p:nvGrpSpPr>
-      <p:grpSpPr>
-        <a:xfrm>
-          <a:off x="0" y="0"/>
-          <a:ext cx="0" cy="0"/>
-          <a:chOff x="0" y="0"/>
-          <a:chExt cx="0" cy="0"/>
-        </a:xfrm>
-      </p:grpSpPr>
-      <p:sp>
-        <p:nvSpPr>
-          <p:cNvPr id="197" name="PlaceHolder 1"/>
-          <p:cNvSpPr>
-            <a:spLocks noGrp="1"/>
-          </p:cNvSpPr>
-          <p:nvPr>
-            <p:ph type="title"/>
-          </p:nvPr>
-        </p:nvSpPr>
-        <p:spPr>
-          <a:xfrm>
-            <a:off x="457200" y="205200"/>
-            <a:ext cx="8229240" cy="858600"/>
-          </a:xfrm>
-          <a:prstGeom prst="rect">
-            <a:avLst/>
-          </a:prstGeom>
-        </p:spPr>
-        <p:txBody>
-          <a:bodyPr lIns="0" tIns="0" rIns="0" bIns="0" anchor="ctr">
-            <a:noAutofit/>
-          </a:bodyPr>
-          <a:lstStyle/>
-          <a:p>
-            <a:pPr algn="ctr"/>
-            <a:endParaRPr lang="ru-RU" sz="4400" b="0" strike="noStrike" spc="-1">
-              <a:latin typeface="Arial"/>
-            </a:endParaRPr>
-          </a:p>
-        </p:txBody>
-      </p:sp>
-      <p:sp>
-        <p:nvSpPr>
-          <p:cNvPr id="198" name="PlaceHolder 2"/>
-          <p:cNvSpPr>
-            <a:spLocks noGrp="1"/>
-          </p:cNvSpPr>
-          <p:nvPr>
-            <p:ph type="body"/>
-          </p:nvPr>
-        </p:nvSpPr>
-        <p:spPr>
-          <a:xfrm>
-            <a:off x="457200" y="1203480"/>
-            <a:ext cx="8229240" cy="2982960"/>
-          </a:xfrm>
-          <a:prstGeom prst="rect">
-            <a:avLst/>
-          </a:prstGeom>
-        </p:spPr>
-        <p:txBody>
-          <a:bodyPr lIns="0" tIns="0" rIns="0" bIns="0">
-            <a:normAutofit/>
-          </a:bodyPr>
-          <a:lstStyle/>
-          <a:p>
-            <a:endParaRPr lang="ru-RU" sz="3200" b="0" strike="noStrike" spc="-1">
-              <a:latin typeface="Arial"/>
-            </a:endParaRPr>
-          </a:p>
-        </p:txBody>
-      </p:sp>
-    </p:spTree>
-  </p:cSld>
-  <p:clrMapOvr>
-    <a:masterClrMapping/>
-  </p:clrMapOvr>
-</p:sldLayout>
-</file>
-
-<file path=ppt/slideLayouts/slideLayout64.xml><?xml version="1.0" encoding="utf-8"?>
-<p:sldLayout xmlns:a="http://schemas.openxmlformats.org/drawingml/2006/main" xmlns:r="http://schemas.openxmlformats.org/officeDocument/2006/relationships" xmlns:p="http://schemas.openxmlformats.org/presentationml/2006/main" type="twoObj" preserve="1">
-  <p:cSld name="Title, 2 Content">
-    <p:spTree>
-      <p:nvGrpSpPr>
-        <p:cNvPr id="1" name=""/>
-        <p:cNvGrpSpPr/>
-        <p:nvPr/>
-      </p:nvGrpSpPr>
-      <p:grpSpPr>
-        <a:xfrm>
-          <a:off x="0" y="0"/>
-          <a:ext cx="0" cy="0"/>
-          <a:chOff x="0" y="0"/>
-          <a:chExt cx="0" cy="0"/>
-        </a:xfrm>
-      </p:grpSpPr>
-      <p:sp>
-        <p:nvSpPr>
-          <p:cNvPr id="199" name="PlaceHolder 1"/>
-          <p:cNvSpPr>
-            <a:spLocks noGrp="1"/>
-          </p:cNvSpPr>
-          <p:nvPr>
-            <p:ph type="title"/>
-          </p:nvPr>
-        </p:nvSpPr>
-        <p:spPr>
-          <a:xfrm>
-            <a:off x="457200" y="205200"/>
-            <a:ext cx="8229240" cy="858600"/>
-          </a:xfrm>
-          <a:prstGeom prst="rect">
-            <a:avLst/>
-          </a:prstGeom>
-        </p:spPr>
-        <p:txBody>
-          <a:bodyPr lIns="0" tIns="0" rIns="0" bIns="0" anchor="ctr">
-            <a:noAutofit/>
-          </a:bodyPr>
-          <a:lstStyle/>
-          <a:p>
-            <a:pPr algn="ctr"/>
-            <a:endParaRPr lang="ru-RU" sz="4400" b="0" strike="noStrike" spc="-1">
-              <a:latin typeface="Arial"/>
-            </a:endParaRPr>
-          </a:p>
-        </p:txBody>
-      </p:sp>
-      <p:sp>
-        <p:nvSpPr>
-          <p:cNvPr id="200" name="PlaceHolder 2"/>
-          <p:cNvSpPr>
-            <a:spLocks noGrp="1"/>
-          </p:cNvSpPr>
-          <p:nvPr>
-            <p:ph type="body"/>
-          </p:nvPr>
-        </p:nvSpPr>
-        <p:spPr>
-          <a:xfrm>
-            <a:off x="457200" y="1203480"/>
-            <a:ext cx="4015800" cy="2982960"/>
-          </a:xfrm>
-          <a:prstGeom prst="rect">
-            <a:avLst/>
-          </a:prstGeom>
-        </p:spPr>
-        <p:txBody>
-          <a:bodyPr lIns="0" tIns="0" rIns="0" bIns="0">
-            <a:normAutofit/>
-          </a:bodyPr>
-          <a:lstStyle/>
-          <a:p>
-            <a:endParaRPr lang="ru-RU" sz="3200" b="0" strike="noStrike" spc="-1">
-              <a:latin typeface="Arial"/>
-            </a:endParaRPr>
-          </a:p>
-        </p:txBody>
-      </p:sp>
-      <p:sp>
-        <p:nvSpPr>
-          <p:cNvPr id="201" name="PlaceHolder 3"/>
-          <p:cNvSpPr>
-            <a:spLocks noGrp="1"/>
-          </p:cNvSpPr>
-          <p:nvPr>
-            <p:ph type="body"/>
-          </p:nvPr>
-        </p:nvSpPr>
-        <p:spPr>
-          <a:xfrm>
-            <a:off x="4674240" y="1203480"/>
-            <a:ext cx="4015800" cy="2982960"/>
-          </a:xfrm>
-          <a:prstGeom prst="rect">
-            <a:avLst/>
-          </a:prstGeom>
-        </p:spPr>
-        <p:txBody>
-          <a:bodyPr lIns="0" tIns="0" rIns="0" bIns="0">
-            <a:normAutofit/>
-          </a:bodyPr>
-          <a:lstStyle/>
-          <a:p>
-            <a:endParaRPr lang="ru-RU" sz="3200" b="0" strike="noStrike" spc="-1">
-              <a:latin typeface="Arial"/>
-            </a:endParaRPr>
-          </a:p>
-        </p:txBody>
-      </p:sp>
-    </p:spTree>
-  </p:cSld>
-  <p:clrMapOvr>
-    <a:masterClrMapping/>
-  </p:clrMapOvr>
-</p:sldLayout>
-</file>
-
-<file path=ppt/slideLayouts/slideLayout65.xml><?xml version="1.0" encoding="utf-8"?>
-<p:sldLayout xmlns:a="http://schemas.openxmlformats.org/drawingml/2006/main" xmlns:r="http://schemas.openxmlformats.org/officeDocument/2006/relationships" xmlns:p="http://schemas.openxmlformats.org/presentationml/2006/main" type="titleOnly" preserve="1">
-  <p:cSld name="Title Only">
-    <p:spTree>
-      <p:nvGrpSpPr>
-        <p:cNvPr id="1" name=""/>
-        <p:cNvGrpSpPr/>
-        <p:nvPr/>
-      </p:nvGrpSpPr>
-      <p:grpSpPr>
-        <a:xfrm>
-          <a:off x="0" y="0"/>
-          <a:ext cx="0" cy="0"/>
-          <a:chOff x="0" y="0"/>
-          <a:chExt cx="0" cy="0"/>
-        </a:xfrm>
-      </p:grpSpPr>
-      <p:sp>
-        <p:nvSpPr>
-          <p:cNvPr id="202" name="PlaceHolder 1"/>
-          <p:cNvSpPr>
-            <a:spLocks noGrp="1"/>
-          </p:cNvSpPr>
-          <p:nvPr>
-            <p:ph type="title"/>
-          </p:nvPr>
-        </p:nvSpPr>
-        <p:spPr>
-          <a:xfrm>
-            <a:off x="457200" y="205200"/>
-            <a:ext cx="8229240" cy="858600"/>
-          </a:xfrm>
-          <a:prstGeom prst="rect">
-            <a:avLst/>
-          </a:prstGeom>
-        </p:spPr>
-        <p:txBody>
-          <a:bodyPr lIns="0" tIns="0" rIns="0" bIns="0" anchor="ctr">
-            <a:noAutofit/>
-          </a:bodyPr>
-          <a:lstStyle/>
-          <a:p>
-            <a:pPr algn="ctr"/>
-            <a:endParaRPr lang="ru-RU" sz="4400" b="0" strike="noStrike" spc="-1">
-              <a:latin typeface="Arial"/>
-            </a:endParaRPr>
-          </a:p>
-        </p:txBody>
-      </p:sp>
-    </p:spTree>
-  </p:cSld>
-  <p:clrMapOvr>
-    <a:masterClrMapping/>
-  </p:clrMapOvr>
-</p:sldLayout>
-</file>
-
-<file path=ppt/slideLayouts/slideLayout66.xml><?xml version="1.0" encoding="utf-8"?>
-<p:sldLayout xmlns:a="http://schemas.openxmlformats.org/drawingml/2006/main" xmlns:r="http://schemas.openxmlformats.org/officeDocument/2006/relationships" xmlns:p="http://schemas.openxmlformats.org/presentationml/2006/main" type="objOnly" preserve="1">
-  <p:cSld name="Centered Text">
-    <p:spTree>
-      <p:nvGrpSpPr>
-        <p:cNvPr id="1" name=""/>
-        <p:cNvGrpSpPr/>
-        <p:nvPr/>
-      </p:nvGrpSpPr>
-      <p:grpSpPr>
-        <a:xfrm>
-          <a:off x="0" y="0"/>
-          <a:ext cx="0" cy="0"/>
-          <a:chOff x="0" y="0"/>
-          <a:chExt cx="0" cy="0"/>
-        </a:xfrm>
-      </p:grpSpPr>
-      <p:sp>
-        <p:nvSpPr>
-          <p:cNvPr id="203" name="PlaceHolder 1"/>
-          <p:cNvSpPr>
-            <a:spLocks noGrp="1"/>
-          </p:cNvSpPr>
-          <p:nvPr>
-            <p:ph type="subTitle"/>
-          </p:nvPr>
-        </p:nvSpPr>
-        <p:spPr>
-          <a:xfrm>
-            <a:off x="457200" y="205200"/>
-            <a:ext cx="8229240" cy="3981240"/>
-          </a:xfrm>
-          <a:prstGeom prst="rect">
-            <a:avLst/>
-          </a:prstGeom>
-        </p:spPr>
-        <p:txBody>
-          <a:bodyPr lIns="0" tIns="0" rIns="0" bIns="0" anchor="ctr">
-            <a:noAutofit/>
-          </a:bodyPr>
-          <a:lstStyle/>
-          <a:p>
-            <a:pPr algn="ctr"/>
-            <a:endParaRPr lang="ru-RU" sz="3200" b="0" strike="noStrike" spc="-1">
-              <a:latin typeface="Arial"/>
-            </a:endParaRPr>
-          </a:p>
-        </p:txBody>
-      </p:sp>
-    </p:spTree>
-  </p:cSld>
-  <p:clrMapOvr>
-    <a:masterClrMapping/>
-  </p:clrMapOvr>
-</p:sldLayout>
-</file>
-
-<file path=ppt/slideLayouts/slideLayout67.xml><?xml version="1.0" encoding="utf-8"?>
-<p:sldLayout xmlns:a="http://schemas.openxmlformats.org/drawingml/2006/main" xmlns:r="http://schemas.openxmlformats.org/officeDocument/2006/relationships" xmlns:p="http://schemas.openxmlformats.org/presentationml/2006/main" type="twoObjAndObj" preserve="1">
-  <p:cSld name="Title, 2 Content and Content">
-    <p:spTree>
-      <p:nvGrpSpPr>
-        <p:cNvPr id="1" name=""/>
-        <p:cNvGrpSpPr/>
-        <p:nvPr/>
-      </p:nvGrpSpPr>
-      <p:grpSpPr>
-        <a:xfrm>
-          <a:off x="0" y="0"/>
-          <a:ext cx="0" cy="0"/>
-          <a:chOff x="0" y="0"/>
-          <a:chExt cx="0" cy="0"/>
-        </a:xfrm>
-      </p:grpSpPr>
-      <p:sp>
-        <p:nvSpPr>
-          <p:cNvPr id="204" name="PlaceHolder 1"/>
-          <p:cNvSpPr>
-            <a:spLocks noGrp="1"/>
-          </p:cNvSpPr>
-          <p:nvPr>
-            <p:ph type="title"/>
-          </p:nvPr>
-        </p:nvSpPr>
-        <p:spPr>
-          <a:xfrm>
-            <a:off x="457200" y="205200"/>
-            <a:ext cx="8229240" cy="858600"/>
-          </a:xfrm>
-          <a:prstGeom prst="rect">
-            <a:avLst/>
-          </a:prstGeom>
-        </p:spPr>
-        <p:txBody>
-          <a:bodyPr lIns="0" tIns="0" rIns="0" bIns="0" anchor="ctr">
-            <a:noAutofit/>
-          </a:bodyPr>
-          <a:lstStyle/>
-          <a:p>
-            <a:pPr algn="ctr"/>
-            <a:endParaRPr lang="ru-RU" sz="4400" b="0" strike="noStrike" spc="-1">
-              <a:latin typeface="Arial"/>
-            </a:endParaRPr>
-          </a:p>
-        </p:txBody>
-      </p:sp>
-      <p:sp>
-        <p:nvSpPr>
-          <p:cNvPr id="205" name="PlaceHolder 2"/>
-          <p:cNvSpPr>
-            <a:spLocks noGrp="1"/>
-          </p:cNvSpPr>
-          <p:nvPr>
-            <p:ph type="body"/>
-          </p:nvPr>
-        </p:nvSpPr>
-        <p:spPr>
-          <a:xfrm>
-            <a:off x="457200" y="1203480"/>
-            <a:ext cx="4015800" cy="1422720"/>
-          </a:xfrm>
-          <a:prstGeom prst="rect">
-            <a:avLst/>
-          </a:prstGeom>
-        </p:spPr>
-        <p:txBody>
-          <a:bodyPr lIns="0" tIns="0" rIns="0" bIns="0">
-            <a:normAutofit/>
-          </a:bodyPr>
-          <a:lstStyle/>
-          <a:p>
-            <a:endParaRPr lang="ru-RU" sz="3200" b="0" strike="noStrike" spc="-1">
-              <a:latin typeface="Arial"/>
-            </a:endParaRPr>
-          </a:p>
-        </p:txBody>
-      </p:sp>
-      <p:sp>
-        <p:nvSpPr>
-          <p:cNvPr id="206" name="PlaceHolder 3"/>
-          <p:cNvSpPr>
-            <a:spLocks noGrp="1"/>
-          </p:cNvSpPr>
-          <p:nvPr>
-            <p:ph type="body"/>
-          </p:nvPr>
-        </p:nvSpPr>
-        <p:spPr>
-          <a:xfrm>
-            <a:off x="4674240" y="1203480"/>
-            <a:ext cx="4015800" cy="2982960"/>
-          </a:xfrm>
-          <a:prstGeom prst="rect">
-            <a:avLst/>
-          </a:prstGeom>
-        </p:spPr>
-        <p:txBody>
-          <a:bodyPr lIns="0" tIns="0" rIns="0" bIns="0">
-            <a:normAutofit/>
-          </a:bodyPr>
-          <a:lstStyle/>
-          <a:p>
-            <a:endParaRPr lang="ru-RU" sz="3200" b="0" strike="noStrike" spc="-1">
-              <a:latin typeface="Arial"/>
-            </a:endParaRPr>
-          </a:p>
-        </p:txBody>
-      </p:sp>
-      <p:sp>
-        <p:nvSpPr>
-          <p:cNvPr id="207" name="PlaceHolder 4"/>
-          <p:cNvSpPr>
-            <a:spLocks noGrp="1"/>
-          </p:cNvSpPr>
-          <p:nvPr>
-            <p:ph type="body"/>
-          </p:nvPr>
-        </p:nvSpPr>
-        <p:spPr>
-          <a:xfrm>
-            <a:off x="457200" y="2761920"/>
-            <a:ext cx="4015800" cy="1422720"/>
-          </a:xfrm>
-          <a:prstGeom prst="rect">
-            <a:avLst/>
-          </a:prstGeom>
-        </p:spPr>
-        <p:txBody>
-          <a:bodyPr lIns="0" tIns="0" rIns="0" bIns="0">
-            <a:normAutofit/>
-          </a:bodyPr>
-          <a:lstStyle/>
-          <a:p>
-            <a:endParaRPr lang="ru-RU" sz="3200" b="0" strike="noStrike" spc="-1">
-              <a:latin typeface="Arial"/>
-            </a:endParaRPr>
-          </a:p>
-        </p:txBody>
-      </p:sp>
-    </p:spTree>
-  </p:cSld>
-  <p:clrMapOvr>
-    <a:masterClrMapping/>
-  </p:clrMapOvr>
-</p:sldLayout>
-</file>
-
-<file path=ppt/slideLayouts/slideLayout68.xml><?xml version="1.0" encoding="utf-8"?>
-<p:sldLayout xmlns:a="http://schemas.openxmlformats.org/drawingml/2006/main" xmlns:r="http://schemas.openxmlformats.org/officeDocument/2006/relationships" xmlns:p="http://schemas.openxmlformats.org/presentationml/2006/main" type="objAndTwoObj" preserve="1">
-  <p:cSld name="Title Content and 2 Content">
-    <p:spTree>
-      <p:nvGrpSpPr>
-        <p:cNvPr id="1" name=""/>
-        <p:cNvGrpSpPr/>
-        <p:nvPr/>
-      </p:nvGrpSpPr>
-      <p:grpSpPr>
-        <a:xfrm>
-          <a:off x="0" y="0"/>
-          <a:ext cx="0" cy="0"/>
-          <a:chOff x="0" y="0"/>
-          <a:chExt cx="0" cy="0"/>
-        </a:xfrm>
-      </p:grpSpPr>
-      <p:sp>
-        <p:nvSpPr>
-          <p:cNvPr id="208" name="PlaceHolder 1"/>
-          <p:cNvSpPr>
-            <a:spLocks noGrp="1"/>
-          </p:cNvSpPr>
-          <p:nvPr>
-            <p:ph type="title"/>
-          </p:nvPr>
-        </p:nvSpPr>
-        <p:spPr>
-          <a:xfrm>
-            <a:off x="457200" y="205200"/>
-            <a:ext cx="8229240" cy="858600"/>
-          </a:xfrm>
-          <a:prstGeom prst="rect">
-            <a:avLst/>
-          </a:prstGeom>
-        </p:spPr>
-        <p:txBody>
-          <a:bodyPr lIns="0" tIns="0" rIns="0" bIns="0" anchor="ctr">
-            <a:noAutofit/>
-          </a:bodyPr>
-          <a:lstStyle/>
-          <a:p>
-            <a:pPr algn="ctr"/>
-            <a:endParaRPr lang="ru-RU" sz="4400" b="0" strike="noStrike" spc="-1">
-              <a:latin typeface="Arial"/>
-            </a:endParaRPr>
-          </a:p>
-        </p:txBody>
-      </p:sp>
-      <p:sp>
-        <p:nvSpPr>
-          <p:cNvPr id="209" name="PlaceHolder 2"/>
-          <p:cNvSpPr>
-            <a:spLocks noGrp="1"/>
-          </p:cNvSpPr>
-          <p:nvPr>
-            <p:ph type="body"/>
-          </p:nvPr>
-        </p:nvSpPr>
-        <p:spPr>
-          <a:xfrm>
-            <a:off x="457200" y="1203480"/>
-            <a:ext cx="4015800" cy="2982960"/>
-          </a:xfrm>
-          <a:prstGeom prst="rect">
-            <a:avLst/>
-          </a:prstGeom>
-        </p:spPr>
-        <p:txBody>
-          <a:bodyPr lIns="0" tIns="0" rIns="0" bIns="0">
-            <a:normAutofit/>
-          </a:bodyPr>
-          <a:lstStyle/>
-          <a:p>
-            <a:endParaRPr lang="ru-RU" sz="3200" b="0" strike="noStrike" spc="-1">
-              <a:latin typeface="Arial"/>
-            </a:endParaRPr>
-          </a:p>
-        </p:txBody>
-      </p:sp>
-      <p:sp>
-        <p:nvSpPr>
-          <p:cNvPr id="210" name="PlaceHolder 3"/>
-          <p:cNvSpPr>
-            <a:spLocks noGrp="1"/>
-          </p:cNvSpPr>
-          <p:nvPr>
-            <p:ph type="body"/>
-          </p:nvPr>
-        </p:nvSpPr>
-        <p:spPr>
-          <a:xfrm>
-            <a:off x="4674240" y="1203480"/>
-            <a:ext cx="4015800" cy="1422720"/>
-          </a:xfrm>
-          <a:prstGeom prst="rect">
-            <a:avLst/>
-          </a:prstGeom>
-        </p:spPr>
-        <p:txBody>
-          <a:bodyPr lIns="0" tIns="0" rIns="0" bIns="0">
-            <a:normAutofit/>
-          </a:bodyPr>
-          <a:lstStyle/>
-          <a:p>
-            <a:endParaRPr lang="ru-RU" sz="3200" b="0" strike="noStrike" spc="-1">
-              <a:latin typeface="Arial"/>
-            </a:endParaRPr>
-          </a:p>
-        </p:txBody>
-      </p:sp>
-      <p:sp>
-        <p:nvSpPr>
-          <p:cNvPr id="211" name="PlaceHolder 4"/>
-          <p:cNvSpPr>
-            <a:spLocks noGrp="1"/>
-          </p:cNvSpPr>
-          <p:nvPr>
-            <p:ph type="body"/>
-          </p:nvPr>
-        </p:nvSpPr>
-        <p:spPr>
-          <a:xfrm>
-            <a:off x="4674240" y="2761920"/>
-            <a:ext cx="4015800" cy="1422720"/>
-          </a:xfrm>
-          <a:prstGeom prst="rect">
-            <a:avLst/>
-          </a:prstGeom>
-        </p:spPr>
-        <p:txBody>
-          <a:bodyPr lIns="0" tIns="0" rIns="0" bIns="0">
-            <a:normAutofit/>
-          </a:bodyPr>
-          <a:lstStyle/>
-          <a:p>
-            <a:endParaRPr lang="ru-RU" sz="3200" b="0" strike="noStrike" spc="-1">
-              <a:latin typeface="Arial"/>
-            </a:endParaRPr>
-          </a:p>
-        </p:txBody>
-      </p:sp>
-    </p:spTree>
-  </p:cSld>
-  <p:clrMapOvr>
-    <a:masterClrMapping/>
-  </p:clrMapOvr>
-</p:sldLayout>
-</file>
-
-<file path=ppt/slideLayouts/slideLayout69.xml><?xml version="1.0" encoding="utf-8"?>
-<p:sldLayout xmlns:a="http://schemas.openxmlformats.org/drawingml/2006/main" xmlns:r="http://schemas.openxmlformats.org/officeDocument/2006/relationships" xmlns:p="http://schemas.openxmlformats.org/presentationml/2006/main" type="twoObjOverTx" preserve="1">
-  <p:cSld name="Title, 2 Content over Content">
-    <p:spTree>
-      <p:nvGrpSpPr>
-        <p:cNvPr id="1" name=""/>
-        <p:cNvGrpSpPr/>
-        <p:nvPr/>
-      </p:nvGrpSpPr>
-      <p:grpSpPr>
-        <a:xfrm>
-          <a:off x="0" y="0"/>
-          <a:ext cx="0" cy="0"/>
-          <a:chOff x="0" y="0"/>
-          <a:chExt cx="0" cy="0"/>
-        </a:xfrm>
-      </p:grpSpPr>
-      <p:sp>
-        <p:nvSpPr>
-          <p:cNvPr id="212" name="PlaceHolder 1"/>
-          <p:cNvSpPr>
-            <a:spLocks noGrp="1"/>
-          </p:cNvSpPr>
-          <p:nvPr>
-            <p:ph type="title"/>
-          </p:nvPr>
-        </p:nvSpPr>
-        <p:spPr>
-          <a:xfrm>
-            <a:off x="457200" y="205200"/>
-            <a:ext cx="8229240" cy="858600"/>
-          </a:xfrm>
-          <a:prstGeom prst="rect">
-            <a:avLst/>
-          </a:prstGeom>
-        </p:spPr>
-        <p:txBody>
-          <a:bodyPr lIns="0" tIns="0" rIns="0" bIns="0" anchor="ctr">
-            <a:noAutofit/>
-          </a:bodyPr>
-          <a:lstStyle/>
-          <a:p>
-            <a:pPr algn="ctr"/>
-            <a:endParaRPr lang="ru-RU" sz="4400" b="0" strike="noStrike" spc="-1">
-              <a:latin typeface="Arial"/>
-            </a:endParaRPr>
-          </a:p>
-        </p:txBody>
-      </p:sp>
-      <p:sp>
-        <p:nvSpPr>
-          <p:cNvPr id="213" name="PlaceHolder 2"/>
-          <p:cNvSpPr>
-            <a:spLocks noGrp="1"/>
-          </p:cNvSpPr>
-          <p:nvPr>
-            <p:ph type="body"/>
-          </p:nvPr>
-        </p:nvSpPr>
-        <p:spPr>
-          <a:xfrm>
-            <a:off x="457200" y="1203480"/>
-            <a:ext cx="4015800" cy="1422720"/>
-          </a:xfrm>
-          <a:prstGeom prst="rect">
-            <a:avLst/>
-          </a:prstGeom>
-        </p:spPr>
-        <p:txBody>
-          <a:bodyPr lIns="0" tIns="0" rIns="0" bIns="0">
-            <a:normAutofit/>
-          </a:bodyPr>
-          <a:lstStyle/>
-          <a:p>
-            <a:endParaRPr lang="ru-RU" sz="3200" b="0" strike="noStrike" spc="-1">
-              <a:latin typeface="Arial"/>
-            </a:endParaRPr>
-          </a:p>
-        </p:txBody>
-      </p:sp>
-      <p:sp>
-        <p:nvSpPr>
-          <p:cNvPr id="214" name="PlaceHolder 3"/>
-          <p:cNvSpPr>
-            <a:spLocks noGrp="1"/>
-          </p:cNvSpPr>
-          <p:nvPr>
-            <p:ph type="body"/>
-          </p:nvPr>
-        </p:nvSpPr>
-        <p:spPr>
-          <a:xfrm>
-            <a:off x="4674240" y="1203480"/>
-            <a:ext cx="4015800" cy="1422720"/>
-          </a:xfrm>
-          <a:prstGeom prst="rect">
-            <a:avLst/>
-          </a:prstGeom>
-        </p:spPr>
-        <p:txBody>
-          <a:bodyPr lIns="0" tIns="0" rIns="0" bIns="0">
-            <a:normAutofit/>
-          </a:bodyPr>
-          <a:lstStyle/>
-          <a:p>
-            <a:endParaRPr lang="ru-RU" sz="3200" b="0" strike="noStrike" spc="-1">
-              <a:latin typeface="Arial"/>
-            </a:endParaRPr>
-          </a:p>
-        </p:txBody>
-      </p:sp>
-      <p:sp>
-        <p:nvSpPr>
-          <p:cNvPr id="215" name="PlaceHolder 4"/>
-          <p:cNvSpPr>
-            <a:spLocks noGrp="1"/>
-          </p:cNvSpPr>
-          <p:nvPr>
-            <p:ph type="body"/>
-          </p:nvPr>
-        </p:nvSpPr>
-        <p:spPr>
-          <a:xfrm>
-            <a:off x="457200" y="2761920"/>
-            <a:ext cx="8229240" cy="1422720"/>
           </a:xfrm>
           <a:prstGeom prst="rect">
             <a:avLst/>
@@ -7821,549 +6933,6 @@
           <a:xfrm>
             <a:off x="457200" y="2761920"/>
             <a:ext cx="4015800" cy="1422720"/>
-          </a:xfrm>
-          <a:prstGeom prst="rect">
-            <a:avLst/>
-          </a:prstGeom>
-        </p:spPr>
-        <p:txBody>
-          <a:bodyPr lIns="0" tIns="0" rIns="0" bIns="0">
-            <a:normAutofit/>
-          </a:bodyPr>
-          <a:lstStyle/>
-          <a:p>
-            <a:endParaRPr lang="ru-RU" sz="3200" b="0" strike="noStrike" spc="-1">
-              <a:latin typeface="Arial"/>
-            </a:endParaRPr>
-          </a:p>
-        </p:txBody>
-      </p:sp>
-    </p:spTree>
-  </p:cSld>
-  <p:clrMapOvr>
-    <a:masterClrMapping/>
-  </p:clrMapOvr>
-</p:sldLayout>
-</file>
-
-<file path=ppt/slideLayouts/slideLayout70.xml><?xml version="1.0" encoding="utf-8"?>
-<p:sldLayout xmlns:a="http://schemas.openxmlformats.org/drawingml/2006/main" xmlns:r="http://schemas.openxmlformats.org/officeDocument/2006/relationships" xmlns:p="http://schemas.openxmlformats.org/presentationml/2006/main" type="objOverTx" preserve="1">
-  <p:cSld name="Title, Content over Content">
-    <p:spTree>
-      <p:nvGrpSpPr>
-        <p:cNvPr id="1" name=""/>
-        <p:cNvGrpSpPr/>
-        <p:nvPr/>
-      </p:nvGrpSpPr>
-      <p:grpSpPr>
-        <a:xfrm>
-          <a:off x="0" y="0"/>
-          <a:ext cx="0" cy="0"/>
-          <a:chOff x="0" y="0"/>
-          <a:chExt cx="0" cy="0"/>
-        </a:xfrm>
-      </p:grpSpPr>
-      <p:sp>
-        <p:nvSpPr>
-          <p:cNvPr id="216" name="PlaceHolder 1"/>
-          <p:cNvSpPr>
-            <a:spLocks noGrp="1"/>
-          </p:cNvSpPr>
-          <p:nvPr>
-            <p:ph type="title"/>
-          </p:nvPr>
-        </p:nvSpPr>
-        <p:spPr>
-          <a:xfrm>
-            <a:off x="457200" y="205200"/>
-            <a:ext cx="8229240" cy="858600"/>
-          </a:xfrm>
-          <a:prstGeom prst="rect">
-            <a:avLst/>
-          </a:prstGeom>
-        </p:spPr>
-        <p:txBody>
-          <a:bodyPr lIns="0" tIns="0" rIns="0" bIns="0" anchor="ctr">
-            <a:noAutofit/>
-          </a:bodyPr>
-          <a:lstStyle/>
-          <a:p>
-            <a:pPr algn="ctr"/>
-            <a:endParaRPr lang="ru-RU" sz="4400" b="0" strike="noStrike" spc="-1">
-              <a:latin typeface="Arial"/>
-            </a:endParaRPr>
-          </a:p>
-        </p:txBody>
-      </p:sp>
-      <p:sp>
-        <p:nvSpPr>
-          <p:cNvPr id="217" name="PlaceHolder 2"/>
-          <p:cNvSpPr>
-            <a:spLocks noGrp="1"/>
-          </p:cNvSpPr>
-          <p:nvPr>
-            <p:ph type="body"/>
-          </p:nvPr>
-        </p:nvSpPr>
-        <p:spPr>
-          <a:xfrm>
-            <a:off x="457200" y="1203480"/>
-            <a:ext cx="8229240" cy="1422720"/>
-          </a:xfrm>
-          <a:prstGeom prst="rect">
-            <a:avLst/>
-          </a:prstGeom>
-        </p:spPr>
-        <p:txBody>
-          <a:bodyPr lIns="0" tIns="0" rIns="0" bIns="0">
-            <a:normAutofit/>
-          </a:bodyPr>
-          <a:lstStyle/>
-          <a:p>
-            <a:endParaRPr lang="ru-RU" sz="3200" b="0" strike="noStrike" spc="-1">
-              <a:latin typeface="Arial"/>
-            </a:endParaRPr>
-          </a:p>
-        </p:txBody>
-      </p:sp>
-      <p:sp>
-        <p:nvSpPr>
-          <p:cNvPr id="218" name="PlaceHolder 3"/>
-          <p:cNvSpPr>
-            <a:spLocks noGrp="1"/>
-          </p:cNvSpPr>
-          <p:nvPr>
-            <p:ph type="body"/>
-          </p:nvPr>
-        </p:nvSpPr>
-        <p:spPr>
-          <a:xfrm>
-            <a:off x="457200" y="2761920"/>
-            <a:ext cx="8229240" cy="1422720"/>
-          </a:xfrm>
-          <a:prstGeom prst="rect">
-            <a:avLst/>
-          </a:prstGeom>
-        </p:spPr>
-        <p:txBody>
-          <a:bodyPr lIns="0" tIns="0" rIns="0" bIns="0">
-            <a:normAutofit/>
-          </a:bodyPr>
-          <a:lstStyle/>
-          <a:p>
-            <a:endParaRPr lang="ru-RU" sz="3200" b="0" strike="noStrike" spc="-1">
-              <a:latin typeface="Arial"/>
-            </a:endParaRPr>
-          </a:p>
-        </p:txBody>
-      </p:sp>
-    </p:spTree>
-  </p:cSld>
-  <p:clrMapOvr>
-    <a:masterClrMapping/>
-  </p:clrMapOvr>
-</p:sldLayout>
-</file>
-
-<file path=ppt/slideLayouts/slideLayout71.xml><?xml version="1.0" encoding="utf-8"?>
-<p:sldLayout xmlns:a="http://schemas.openxmlformats.org/drawingml/2006/main" xmlns:r="http://schemas.openxmlformats.org/officeDocument/2006/relationships" xmlns:p="http://schemas.openxmlformats.org/presentationml/2006/main" type="fourObj" preserve="1">
-  <p:cSld name="Title, 4 Content">
-    <p:spTree>
-      <p:nvGrpSpPr>
-        <p:cNvPr id="1" name=""/>
-        <p:cNvGrpSpPr/>
-        <p:nvPr/>
-      </p:nvGrpSpPr>
-      <p:grpSpPr>
-        <a:xfrm>
-          <a:off x="0" y="0"/>
-          <a:ext cx="0" cy="0"/>
-          <a:chOff x="0" y="0"/>
-          <a:chExt cx="0" cy="0"/>
-        </a:xfrm>
-      </p:grpSpPr>
-      <p:sp>
-        <p:nvSpPr>
-          <p:cNvPr id="219" name="PlaceHolder 1"/>
-          <p:cNvSpPr>
-            <a:spLocks noGrp="1"/>
-          </p:cNvSpPr>
-          <p:nvPr>
-            <p:ph type="title"/>
-          </p:nvPr>
-        </p:nvSpPr>
-        <p:spPr>
-          <a:xfrm>
-            <a:off x="457200" y="205200"/>
-            <a:ext cx="8229240" cy="858600"/>
-          </a:xfrm>
-          <a:prstGeom prst="rect">
-            <a:avLst/>
-          </a:prstGeom>
-        </p:spPr>
-        <p:txBody>
-          <a:bodyPr lIns="0" tIns="0" rIns="0" bIns="0" anchor="ctr">
-            <a:noAutofit/>
-          </a:bodyPr>
-          <a:lstStyle/>
-          <a:p>
-            <a:pPr algn="ctr"/>
-            <a:endParaRPr lang="ru-RU" sz="4400" b="0" strike="noStrike" spc="-1">
-              <a:latin typeface="Arial"/>
-            </a:endParaRPr>
-          </a:p>
-        </p:txBody>
-      </p:sp>
-      <p:sp>
-        <p:nvSpPr>
-          <p:cNvPr id="220" name="PlaceHolder 2"/>
-          <p:cNvSpPr>
-            <a:spLocks noGrp="1"/>
-          </p:cNvSpPr>
-          <p:nvPr>
-            <p:ph type="body"/>
-          </p:nvPr>
-        </p:nvSpPr>
-        <p:spPr>
-          <a:xfrm>
-            <a:off x="457200" y="1203480"/>
-            <a:ext cx="4015800" cy="1422720"/>
-          </a:xfrm>
-          <a:prstGeom prst="rect">
-            <a:avLst/>
-          </a:prstGeom>
-        </p:spPr>
-        <p:txBody>
-          <a:bodyPr lIns="0" tIns="0" rIns="0" bIns="0">
-            <a:normAutofit/>
-          </a:bodyPr>
-          <a:lstStyle/>
-          <a:p>
-            <a:endParaRPr lang="ru-RU" sz="3200" b="0" strike="noStrike" spc="-1">
-              <a:latin typeface="Arial"/>
-            </a:endParaRPr>
-          </a:p>
-        </p:txBody>
-      </p:sp>
-      <p:sp>
-        <p:nvSpPr>
-          <p:cNvPr id="221" name="PlaceHolder 3"/>
-          <p:cNvSpPr>
-            <a:spLocks noGrp="1"/>
-          </p:cNvSpPr>
-          <p:nvPr>
-            <p:ph type="body"/>
-          </p:nvPr>
-        </p:nvSpPr>
-        <p:spPr>
-          <a:xfrm>
-            <a:off x="4674240" y="1203480"/>
-            <a:ext cx="4015800" cy="1422720"/>
-          </a:xfrm>
-          <a:prstGeom prst="rect">
-            <a:avLst/>
-          </a:prstGeom>
-        </p:spPr>
-        <p:txBody>
-          <a:bodyPr lIns="0" tIns="0" rIns="0" bIns="0">
-            <a:normAutofit/>
-          </a:bodyPr>
-          <a:lstStyle/>
-          <a:p>
-            <a:endParaRPr lang="ru-RU" sz="3200" b="0" strike="noStrike" spc="-1">
-              <a:latin typeface="Arial"/>
-            </a:endParaRPr>
-          </a:p>
-        </p:txBody>
-      </p:sp>
-      <p:sp>
-        <p:nvSpPr>
-          <p:cNvPr id="222" name="PlaceHolder 4"/>
-          <p:cNvSpPr>
-            <a:spLocks noGrp="1"/>
-          </p:cNvSpPr>
-          <p:nvPr>
-            <p:ph type="body"/>
-          </p:nvPr>
-        </p:nvSpPr>
-        <p:spPr>
-          <a:xfrm>
-            <a:off x="457200" y="2761920"/>
-            <a:ext cx="4015800" cy="1422720"/>
-          </a:xfrm>
-          <a:prstGeom prst="rect">
-            <a:avLst/>
-          </a:prstGeom>
-        </p:spPr>
-        <p:txBody>
-          <a:bodyPr lIns="0" tIns="0" rIns="0" bIns="0">
-            <a:normAutofit/>
-          </a:bodyPr>
-          <a:lstStyle/>
-          <a:p>
-            <a:endParaRPr lang="ru-RU" sz="3200" b="0" strike="noStrike" spc="-1">
-              <a:latin typeface="Arial"/>
-            </a:endParaRPr>
-          </a:p>
-        </p:txBody>
-      </p:sp>
-      <p:sp>
-        <p:nvSpPr>
-          <p:cNvPr id="223" name="PlaceHolder 5"/>
-          <p:cNvSpPr>
-            <a:spLocks noGrp="1"/>
-          </p:cNvSpPr>
-          <p:nvPr>
-            <p:ph type="body"/>
-          </p:nvPr>
-        </p:nvSpPr>
-        <p:spPr>
-          <a:xfrm>
-            <a:off x="4674240" y="2761920"/>
-            <a:ext cx="4015800" cy="1422720"/>
-          </a:xfrm>
-          <a:prstGeom prst="rect">
-            <a:avLst/>
-          </a:prstGeom>
-        </p:spPr>
-        <p:txBody>
-          <a:bodyPr lIns="0" tIns="0" rIns="0" bIns="0">
-            <a:normAutofit/>
-          </a:bodyPr>
-          <a:lstStyle/>
-          <a:p>
-            <a:endParaRPr lang="ru-RU" sz="3200" b="0" strike="noStrike" spc="-1">
-              <a:latin typeface="Arial"/>
-            </a:endParaRPr>
-          </a:p>
-        </p:txBody>
-      </p:sp>
-    </p:spTree>
-  </p:cSld>
-  <p:clrMapOvr>
-    <a:masterClrMapping/>
-  </p:clrMapOvr>
-</p:sldLayout>
-</file>
-
-<file path=ppt/slideLayouts/slideLayout72.xml><?xml version="1.0" encoding="utf-8"?>
-<p:sldLayout xmlns:a="http://schemas.openxmlformats.org/drawingml/2006/main" xmlns:r="http://schemas.openxmlformats.org/officeDocument/2006/relationships" xmlns:p="http://schemas.openxmlformats.org/presentationml/2006/main" type="blank" preserve="1">
-  <p:cSld name="Title, 6 Content">
-    <p:spTree>
-      <p:nvGrpSpPr>
-        <p:cNvPr id="1" name=""/>
-        <p:cNvGrpSpPr/>
-        <p:nvPr/>
-      </p:nvGrpSpPr>
-      <p:grpSpPr>
-        <a:xfrm>
-          <a:off x="0" y="0"/>
-          <a:ext cx="0" cy="0"/>
-          <a:chOff x="0" y="0"/>
-          <a:chExt cx="0" cy="0"/>
-        </a:xfrm>
-      </p:grpSpPr>
-      <p:sp>
-        <p:nvSpPr>
-          <p:cNvPr id="224" name="PlaceHolder 1"/>
-          <p:cNvSpPr>
-            <a:spLocks noGrp="1"/>
-          </p:cNvSpPr>
-          <p:nvPr>
-            <p:ph type="title"/>
-          </p:nvPr>
-        </p:nvSpPr>
-        <p:spPr>
-          <a:xfrm>
-            <a:off x="457200" y="205200"/>
-            <a:ext cx="8229240" cy="858600"/>
-          </a:xfrm>
-          <a:prstGeom prst="rect">
-            <a:avLst/>
-          </a:prstGeom>
-        </p:spPr>
-        <p:txBody>
-          <a:bodyPr lIns="0" tIns="0" rIns="0" bIns="0" anchor="ctr">
-            <a:noAutofit/>
-          </a:bodyPr>
-          <a:lstStyle/>
-          <a:p>
-            <a:pPr algn="ctr"/>
-            <a:endParaRPr lang="ru-RU" sz="4400" b="0" strike="noStrike" spc="-1">
-              <a:latin typeface="Arial"/>
-            </a:endParaRPr>
-          </a:p>
-        </p:txBody>
-      </p:sp>
-      <p:sp>
-        <p:nvSpPr>
-          <p:cNvPr id="225" name="PlaceHolder 2"/>
-          <p:cNvSpPr>
-            <a:spLocks noGrp="1"/>
-          </p:cNvSpPr>
-          <p:nvPr>
-            <p:ph type="body"/>
-          </p:nvPr>
-        </p:nvSpPr>
-        <p:spPr>
-          <a:xfrm>
-            <a:off x="457200" y="1203480"/>
-            <a:ext cx="2649600" cy="1422720"/>
-          </a:xfrm>
-          <a:prstGeom prst="rect">
-            <a:avLst/>
-          </a:prstGeom>
-        </p:spPr>
-        <p:txBody>
-          <a:bodyPr lIns="0" tIns="0" rIns="0" bIns="0">
-            <a:normAutofit/>
-          </a:bodyPr>
-          <a:lstStyle/>
-          <a:p>
-            <a:endParaRPr lang="ru-RU" sz="3200" b="0" strike="noStrike" spc="-1">
-              <a:latin typeface="Arial"/>
-            </a:endParaRPr>
-          </a:p>
-        </p:txBody>
-      </p:sp>
-      <p:sp>
-        <p:nvSpPr>
-          <p:cNvPr id="226" name="PlaceHolder 3"/>
-          <p:cNvSpPr>
-            <a:spLocks noGrp="1"/>
-          </p:cNvSpPr>
-          <p:nvPr>
-            <p:ph type="body"/>
-          </p:nvPr>
-        </p:nvSpPr>
-        <p:spPr>
-          <a:xfrm>
-            <a:off x="3239640" y="1203480"/>
-            <a:ext cx="2649600" cy="1422720"/>
-          </a:xfrm>
-          <a:prstGeom prst="rect">
-            <a:avLst/>
-          </a:prstGeom>
-        </p:spPr>
-        <p:txBody>
-          <a:bodyPr lIns="0" tIns="0" rIns="0" bIns="0">
-            <a:normAutofit/>
-          </a:bodyPr>
-          <a:lstStyle/>
-          <a:p>
-            <a:endParaRPr lang="ru-RU" sz="3200" b="0" strike="noStrike" spc="-1">
-              <a:latin typeface="Arial"/>
-            </a:endParaRPr>
-          </a:p>
-        </p:txBody>
-      </p:sp>
-      <p:sp>
-        <p:nvSpPr>
-          <p:cNvPr id="227" name="PlaceHolder 4"/>
-          <p:cNvSpPr>
-            <a:spLocks noGrp="1"/>
-          </p:cNvSpPr>
-          <p:nvPr>
-            <p:ph type="body"/>
-          </p:nvPr>
-        </p:nvSpPr>
-        <p:spPr>
-          <a:xfrm>
-            <a:off x="6022080" y="1203480"/>
-            <a:ext cx="2649600" cy="1422720"/>
-          </a:xfrm>
-          <a:prstGeom prst="rect">
-            <a:avLst/>
-          </a:prstGeom>
-        </p:spPr>
-        <p:txBody>
-          <a:bodyPr lIns="0" tIns="0" rIns="0" bIns="0">
-            <a:normAutofit/>
-          </a:bodyPr>
-          <a:lstStyle/>
-          <a:p>
-            <a:endParaRPr lang="ru-RU" sz="3200" b="0" strike="noStrike" spc="-1">
-              <a:latin typeface="Arial"/>
-            </a:endParaRPr>
-          </a:p>
-        </p:txBody>
-      </p:sp>
-      <p:sp>
-        <p:nvSpPr>
-          <p:cNvPr id="228" name="PlaceHolder 5"/>
-          <p:cNvSpPr>
-            <a:spLocks noGrp="1"/>
-          </p:cNvSpPr>
-          <p:nvPr>
-            <p:ph type="body"/>
-          </p:nvPr>
-        </p:nvSpPr>
-        <p:spPr>
-          <a:xfrm>
-            <a:off x="457200" y="2761920"/>
-            <a:ext cx="2649600" cy="1422720"/>
-          </a:xfrm>
-          <a:prstGeom prst="rect">
-            <a:avLst/>
-          </a:prstGeom>
-        </p:spPr>
-        <p:txBody>
-          <a:bodyPr lIns="0" tIns="0" rIns="0" bIns="0">
-            <a:normAutofit/>
-          </a:bodyPr>
-          <a:lstStyle/>
-          <a:p>
-            <a:endParaRPr lang="ru-RU" sz="3200" b="0" strike="noStrike" spc="-1">
-              <a:latin typeface="Arial"/>
-            </a:endParaRPr>
-          </a:p>
-        </p:txBody>
-      </p:sp>
-      <p:sp>
-        <p:nvSpPr>
-          <p:cNvPr id="229" name="PlaceHolder 6"/>
-          <p:cNvSpPr>
-            <a:spLocks noGrp="1"/>
-          </p:cNvSpPr>
-          <p:nvPr>
-            <p:ph type="body"/>
-          </p:nvPr>
-        </p:nvSpPr>
-        <p:spPr>
-          <a:xfrm>
-            <a:off x="3239640" y="2761920"/>
-            <a:ext cx="2649600" cy="1422720"/>
-          </a:xfrm>
-          <a:prstGeom prst="rect">
-            <a:avLst/>
-          </a:prstGeom>
-        </p:spPr>
-        <p:txBody>
-          <a:bodyPr lIns="0" tIns="0" rIns="0" bIns="0">
-            <a:normAutofit/>
-          </a:bodyPr>
-          <a:lstStyle/>
-          <a:p>
-            <a:endParaRPr lang="ru-RU" sz="3200" b="0" strike="noStrike" spc="-1">
-              <a:latin typeface="Arial"/>
-            </a:endParaRPr>
-          </a:p>
-        </p:txBody>
-      </p:sp>
-      <p:sp>
-        <p:nvSpPr>
-          <p:cNvPr id="230" name="PlaceHolder 7"/>
-          <p:cNvSpPr>
-            <a:spLocks noGrp="1"/>
-          </p:cNvSpPr>
-          <p:nvPr>
-            <p:ph type="body"/>
-          </p:nvPr>
-        </p:nvSpPr>
-        <p:spPr>
-          <a:xfrm>
-            <a:off x="6022080" y="2761920"/>
-            <a:ext cx="2649600" cy="1422720"/>
           </a:xfrm>
           <a:prstGeom prst="rect">
             <a:avLst/>
@@ -9878,251 +8447,6 @@
           <a:chExt cx="0" cy="0"/>
         </a:xfrm>
       </p:grpSpPr>
-      <p:sp>
-        <p:nvSpPr>
-          <p:cNvPr id="154" name="PlaceHolder 1"/>
-          <p:cNvSpPr>
-            <a:spLocks noGrp="1"/>
-          </p:cNvSpPr>
-          <p:nvPr>
-            <p:ph type="title"/>
-          </p:nvPr>
-        </p:nvSpPr>
-        <p:spPr>
-          <a:xfrm>
-            <a:off x="651600" y="396360"/>
-            <a:ext cx="7705440" cy="4089960"/>
-          </a:xfrm>
-          <a:prstGeom prst="rect">
-            <a:avLst/>
-          </a:prstGeom>
-        </p:spPr>
-        <p:txBody>
-          <a:bodyPr lIns="0" tIns="0" rIns="0" bIns="0" anchor="ctr">
-            <a:noAutofit/>
-          </a:bodyPr>
-          <a:lstStyle/>
-          <a:p>
-            <a:pPr algn="ctr"/>
-            <a:r>
-              <a:rPr lang="ru-RU" sz="1800" b="0" strike="noStrike" spc="-1">
-                <a:latin typeface="Arial"/>
-              </a:rPr>
-              <a:t>Click to edit the title text format</a:t>
-            </a:r>
-          </a:p>
-        </p:txBody>
-      </p:sp>
-      <p:sp>
-        <p:nvSpPr>
-          <p:cNvPr id="155" name="PlaceHolder 2"/>
-          <p:cNvSpPr>
-            <a:spLocks noGrp="1"/>
-          </p:cNvSpPr>
-          <p:nvPr>
-            <p:ph type="body"/>
-          </p:nvPr>
-        </p:nvSpPr>
-        <p:spPr>
-          <a:xfrm>
-            <a:off x="457200" y="1203480"/>
-            <a:ext cx="8228880" cy="2982600"/>
-          </a:xfrm>
-          <a:prstGeom prst="rect">
-            <a:avLst/>
-          </a:prstGeom>
-        </p:spPr>
-        <p:txBody>
-          <a:bodyPr lIns="0" tIns="0" rIns="0" bIns="0">
-            <a:normAutofit/>
-          </a:bodyPr>
-          <a:lstStyle/>
-          <a:p>
-            <a:pPr marL="432000" indent="-324000" algn="ctr">
-              <a:spcBef>
-                <a:spcPts val="1417"/>
-              </a:spcBef>
-              <a:buClr>
-                <a:srgbClr val="000000"/>
-              </a:buClr>
-              <a:buSzPct val="45000"/>
-              <a:buFont typeface="Wingdings" charset="2"/>
-              <a:buChar char=""/>
-            </a:pPr>
-            <a:r>
-              <a:rPr lang="ru-RU" sz="1800" b="0" strike="noStrike" spc="-1">
-                <a:latin typeface="Arial"/>
-              </a:rPr>
-              <a:t>Click to edit the outline text format</a:t>
-            </a:r>
-          </a:p>
-          <a:p>
-            <a:pPr marL="864000" lvl="1" indent="-324000" algn="ctr">
-              <a:spcBef>
-                <a:spcPts val="1134"/>
-              </a:spcBef>
-              <a:buClr>
-                <a:srgbClr val="000000"/>
-              </a:buClr>
-              <a:buSzPct val="75000"/>
-              <a:buFont typeface="Symbol" charset="2"/>
-              <a:buChar char=""/>
-            </a:pPr>
-            <a:r>
-              <a:rPr lang="ru-RU" sz="1800" b="0" strike="noStrike" spc="-1">
-                <a:latin typeface="Arial"/>
-              </a:rPr>
-              <a:t>Second Outline Level</a:t>
-            </a:r>
-          </a:p>
-          <a:p>
-            <a:pPr marL="1296000" lvl="2" indent="-288000" algn="ctr">
-              <a:spcBef>
-                <a:spcPts val="850"/>
-              </a:spcBef>
-              <a:buClr>
-                <a:srgbClr val="000000"/>
-              </a:buClr>
-              <a:buSzPct val="45000"/>
-              <a:buFont typeface="Wingdings" charset="2"/>
-              <a:buChar char=""/>
-            </a:pPr>
-            <a:r>
-              <a:rPr lang="ru-RU" sz="1800" b="0" strike="noStrike" spc="-1">
-                <a:latin typeface="Arial"/>
-              </a:rPr>
-              <a:t>Third Outline Level</a:t>
-            </a:r>
-          </a:p>
-          <a:p>
-            <a:pPr marL="1728000" lvl="3" indent="-216000" algn="ctr">
-              <a:spcBef>
-                <a:spcPts val="567"/>
-              </a:spcBef>
-              <a:buClr>
-                <a:srgbClr val="000000"/>
-              </a:buClr>
-              <a:buSzPct val="75000"/>
-              <a:buFont typeface="Symbol" charset="2"/>
-              <a:buChar char=""/>
-            </a:pPr>
-            <a:r>
-              <a:rPr lang="ru-RU" sz="1800" b="0" strike="noStrike" spc="-1">
-                <a:latin typeface="Arial"/>
-              </a:rPr>
-              <a:t>Fourth Outline Level</a:t>
-            </a:r>
-          </a:p>
-          <a:p>
-            <a:pPr marL="2160000" lvl="4" indent="-216000" algn="ctr">
-              <a:spcBef>
-                <a:spcPts val="283"/>
-              </a:spcBef>
-              <a:buClr>
-                <a:srgbClr val="000000"/>
-              </a:buClr>
-              <a:buSzPct val="45000"/>
-              <a:buFont typeface="Wingdings" charset="2"/>
-              <a:buChar char=""/>
-            </a:pPr>
-            <a:r>
-              <a:rPr lang="ru-RU" sz="1800" b="0" strike="noStrike" spc="-1">
-                <a:latin typeface="Arial"/>
-              </a:rPr>
-              <a:t>Fifth Outline Level</a:t>
-            </a:r>
-          </a:p>
-          <a:p>
-            <a:pPr marL="2592000" lvl="5" indent="-216000" algn="ctr">
-              <a:spcBef>
-                <a:spcPts val="283"/>
-              </a:spcBef>
-              <a:buClr>
-                <a:srgbClr val="000000"/>
-              </a:buClr>
-              <a:buSzPct val="45000"/>
-              <a:buFont typeface="Wingdings" charset="2"/>
-              <a:buChar char=""/>
-            </a:pPr>
-            <a:r>
-              <a:rPr lang="ru-RU" sz="1800" b="0" strike="noStrike" spc="-1">
-                <a:latin typeface="Arial"/>
-              </a:rPr>
-              <a:t>Sixth Outline Level</a:t>
-            </a:r>
-          </a:p>
-          <a:p>
-            <a:pPr marL="3024000" lvl="6" indent="-216000" algn="ctr">
-              <a:spcBef>
-                <a:spcPts val="283"/>
-              </a:spcBef>
-              <a:buClr>
-                <a:srgbClr val="000000"/>
-              </a:buClr>
-              <a:buSzPct val="45000"/>
-              <a:buFont typeface="Wingdings" charset="2"/>
-              <a:buChar char=""/>
-            </a:pPr>
-            <a:r>
-              <a:rPr lang="ru-RU" sz="1800" b="0" strike="noStrike" spc="-1">
-                <a:latin typeface="Arial"/>
-              </a:rPr>
-              <a:t>Seventh Outline Level</a:t>
-            </a:r>
-          </a:p>
-        </p:txBody>
-      </p:sp>
-    </p:spTree>
-  </p:cSld>
-  <p:clrMap bg1="lt1" tx1="dk1" bg2="lt2" tx2="dk2" accent1="accent1" accent2="accent2" accent3="accent3" accent4="accent4" accent5="accent5" accent6="accent6" hlink="hlink" folHlink="folHlink"/>
-  <p:sldLayoutIdLst>
-    <p:sldLayoutId id="2147483701" r:id="rId1"/>
-    <p:sldLayoutId id="2147483702" r:id="rId2"/>
-    <p:sldLayoutId id="2147483703" r:id="rId3"/>
-    <p:sldLayoutId id="2147483704" r:id="rId4"/>
-    <p:sldLayoutId id="2147483705" r:id="rId5"/>
-    <p:sldLayoutId id="2147483706" r:id="rId6"/>
-    <p:sldLayoutId id="2147483707" r:id="rId7"/>
-    <p:sldLayoutId id="2147483708" r:id="rId8"/>
-    <p:sldLayoutId id="2147483709" r:id="rId9"/>
-    <p:sldLayoutId id="2147483710" r:id="rId10"/>
-    <p:sldLayoutId id="2147483711" r:id="rId11"/>
-    <p:sldLayoutId id="2147483712" r:id="rId12"/>
-  </p:sldLayoutIdLst>
-  <p:txStyles>
-    <p:titleStyle/>
-    <p:bodyStyle/>
-    <p:otherStyle/>
-  </p:txStyles>
-</p:sldMaster>
-</file>
-
-<file path=ppt/slideMasters/slideMaster6.xml><?xml version="1.0" encoding="utf-8"?>
-<p:sldMaster xmlns:a="http://schemas.openxmlformats.org/drawingml/2006/main" xmlns:r="http://schemas.openxmlformats.org/officeDocument/2006/relationships" xmlns:p="http://schemas.openxmlformats.org/presentationml/2006/main">
-  <p:cSld>
-    <p:bg>
-      <p:bgPr>
-        <a:blipFill rotWithShape="0">
-          <a:blip r:embed="rId14"/>
-          <a:stretch/>
-        </a:blipFill>
-        <a:effectLst/>
-      </p:bgPr>
-    </p:bg>
-    <p:spTree>
-      <p:nvGrpSpPr>
-        <p:cNvPr id="1" name=""/>
-        <p:cNvGrpSpPr/>
-        <p:nvPr/>
-      </p:nvGrpSpPr>
-      <p:grpSpPr>
-        <a:xfrm>
-          <a:off x="0" y="0"/>
-          <a:ext cx="0" cy="0"/>
-          <a:chOff x="0" y="0"/>
-          <a:chExt cx="0" cy="0"/>
-        </a:xfrm>
-      </p:grpSpPr>
       <p:pic>
         <p:nvPicPr>
           <p:cNvPr id="192" name="Google Shape;31;p7"/>
@@ -10514,105 +8838,7 @@
     <a:masterClrMapping/>
   </p:clrMapOvr>
   <mc:AlternateContent xmlns:mc="http://schemas.openxmlformats.org/markup-compatibility/2006">
-    <mc:Choice xmlns="" xmlns:p14="http://schemas.microsoft.com/office/powerpoint/2010/main" xmlns:p15="http://schemas.microsoft.com/office/powerpoint/2012/main" Requires="p14">
-      <p:transition spd="slow" p14:dur="2000"/>
-    </mc:Choice>
-    <mc:Fallback>
-      <p:transition spd="slow"/>
-    </mc:Fallback>
-  </mc:AlternateContent>
-</p:sld>
-</file>
-
-<file path=ppt/slides/slide10.xml><?xml version="1.0" encoding="utf-8"?>
-<p:sld xmlns:a="http://schemas.openxmlformats.org/drawingml/2006/main" xmlns:r="http://schemas.openxmlformats.org/officeDocument/2006/relationships" xmlns:p="http://schemas.openxmlformats.org/presentationml/2006/main">
-  <p:cSld>
-    <p:spTree>
-      <p:nvGrpSpPr>
-        <p:cNvPr id="1" name=""/>
-        <p:cNvGrpSpPr/>
-        <p:nvPr/>
-      </p:nvGrpSpPr>
-      <p:grpSpPr>
-        <a:xfrm>
-          <a:off x="0" y="0"/>
-          <a:ext cx="0" cy="0"/>
-          <a:chOff x="0" y="0"/>
-          <a:chExt cx="0" cy="0"/>
-        </a:xfrm>
-      </p:grpSpPr>
-      <p:sp>
-        <p:nvSpPr>
-          <p:cNvPr id="268" name="CustomShape 1"/>
-          <p:cNvSpPr/>
-          <p:nvPr/>
-        </p:nvSpPr>
-        <p:spPr>
-          <a:xfrm>
-            <a:off x="651600" y="396360"/>
-            <a:ext cx="7705440" cy="4089960"/>
-          </a:xfrm>
-          <a:prstGeom prst="rect">
-            <a:avLst/>
-          </a:prstGeom>
-          <a:noFill/>
-          <a:ln w="0">
-            <a:noFill/>
-          </a:ln>
-        </p:spPr>
-        <p:style>
-          <a:lnRef idx="0">
-            <a:scrgbClr r="0" g="0" b="0"/>
-          </a:lnRef>
-          <a:fillRef idx="0">
-            <a:scrgbClr r="0" g="0" b="0"/>
-          </a:fillRef>
-          <a:effectRef idx="0">
-            <a:scrgbClr r="0" g="0" b="0"/>
-          </a:effectRef>
-          <a:fontRef idx="minor"/>
-        </p:style>
-        <p:txBody>
-          <a:bodyPr lIns="90000" tIns="91440" rIns="90000" bIns="91440" anchor="ctr">
-            <a:noAutofit/>
-          </a:bodyPr>
-          <a:lstStyle/>
-          <a:p>
-            <a:pPr>
-              <a:lnSpc>
-                <a:spcPct val="100000"/>
-              </a:lnSpc>
-              <a:tabLst>
-                <a:tab pos="0" algn="l"/>
-              </a:tabLst>
-            </a:pPr>
-            <a:r>
-              <a:rPr lang="ru" sz="4900" b="1" strike="noStrike" spc="-1">
-                <a:solidFill>
-                  <a:srgbClr val="FFFFFF"/>
-                </a:solidFill>
-                <a:latin typeface="Roboto"/>
-                <a:ea typeface="Roboto"/>
-              </a:rPr>
-              <a:t>Спасибо за внимание!</a:t>
-            </a:r>
-            <a:r>
-              <a:t/>
-            </a:r>
-            <a:br/>
-            <a:endParaRPr lang="ru-RU" sz="4900" b="0" strike="noStrike" spc="-1">
-              <a:latin typeface="Arial"/>
-            </a:endParaRPr>
-          </a:p>
-        </p:txBody>
-      </p:sp>
-    </p:spTree>
-  </p:cSld>
-  <p:clrMapOvr>
-    <a:masterClrMapping/>
-  </p:clrMapOvr>
-  <mc:AlternateContent xmlns:mc="http://schemas.openxmlformats.org/markup-compatibility/2006">
-    <mc:Choice xmlns="" xmlns:p14="http://schemas.microsoft.com/office/powerpoint/2010/main" xmlns:p15="http://schemas.microsoft.com/office/powerpoint/2012/main" Requires="p14">
+    <mc:Choice xmlns:p15="http://schemas.microsoft.com/office/powerpoint/2012/main" xmlns:p14="http://schemas.microsoft.com/office/powerpoint/2010/main" xmlns="" Requires="p14">
       <p:transition spd="slow" p14:dur="2000"/>
     </mc:Choice>
     <mc:Fallback>
@@ -10766,7 +8992,7 @@
     <a:masterClrMapping/>
   </p:clrMapOvr>
   <mc:AlternateContent xmlns:mc="http://schemas.openxmlformats.org/markup-compatibility/2006">
-    <mc:Choice xmlns="" xmlns:p14="http://schemas.microsoft.com/office/powerpoint/2010/main" xmlns:p15="http://schemas.microsoft.com/office/powerpoint/2012/main" Requires="p14">
+    <mc:Choice xmlns:p15="http://schemas.microsoft.com/office/powerpoint/2012/main" xmlns:p14="http://schemas.microsoft.com/office/powerpoint/2010/main" xmlns="" Requires="p14">
       <p:transition spd="slow" p14:dur="2000"/>
     </mc:Choice>
     <mc:Fallback>
@@ -11088,7 +9314,7 @@
     <a:masterClrMapping/>
   </p:clrMapOvr>
   <mc:AlternateContent xmlns:mc="http://schemas.openxmlformats.org/markup-compatibility/2006">
-    <mc:Choice xmlns="" xmlns:p14="http://schemas.microsoft.com/office/powerpoint/2010/main" xmlns:p15="http://schemas.microsoft.com/office/powerpoint/2012/main" Requires="p14">
+    <mc:Choice xmlns:p15="http://schemas.microsoft.com/office/powerpoint/2012/main" xmlns:p14="http://schemas.microsoft.com/office/powerpoint/2010/main" xmlns="" Requires="p14">
       <p:transition spd="slow" p14:dur="2000"/>
     </mc:Choice>
     <mc:Fallback>
@@ -11659,7 +9885,7 @@
     <a:masterClrMapping/>
   </p:clrMapOvr>
   <mc:AlternateContent xmlns:mc="http://schemas.openxmlformats.org/markup-compatibility/2006">
-    <mc:Choice xmlns="" xmlns:p14="http://schemas.microsoft.com/office/powerpoint/2010/main" xmlns:p15="http://schemas.microsoft.com/office/powerpoint/2012/main" Requires="p14">
+    <mc:Choice xmlns:p15="http://schemas.microsoft.com/office/powerpoint/2012/main" xmlns:p14="http://schemas.microsoft.com/office/powerpoint/2010/main" xmlns="" Requires="p14">
       <p:transition spd="slow" p14:dur="2000"/>
     </mc:Choice>
     <mc:Fallback>
@@ -11754,7 +9980,7 @@
           <p:nvPr/>
         </p:nvGraphicFramePr>
         <p:xfrm>
-          <a:off x="952560" y="2058840"/>
+          <a:off x="928662" y="1857370"/>
           <a:ext cx="7238520" cy="1736640"/>
         </p:xfrm>
         <a:graphic>
@@ -11928,11 +10154,32 @@
                         </a:lnSpc>
                       </a:pPr>
                       <a:r>
-                        <a:rPr lang="ru-RU" sz="1800" b="0" strike="noStrike" spc="-1">
+                        <a:rPr lang="ru-RU" sz="1800" b="0" strike="noStrike" spc="-1" dirty="0">
                           <a:latin typeface="Arial"/>
                         </a:rPr>
-                        <a:t>Практика в создании микросервисов</a:t>
+                        <a:t>Практика в создании </a:t>
                       </a:r>
+                      <a:r>
+                        <a:rPr lang="ru-RU" sz="1800" b="0" strike="noStrike" spc="-1" dirty="0" err="1" smtClean="0">
+                          <a:latin typeface="Arial"/>
+                        </a:rPr>
+                        <a:t>микросервисов</a:t>
+                      </a:r>
+                      <a:r>
+                        <a:rPr lang="ru-RU" sz="1800" b="0" strike="noStrike" spc="-1" dirty="0" smtClean="0">
+                          <a:latin typeface="Arial"/>
+                        </a:rPr>
+                        <a:t>/работе с </a:t>
+                      </a:r>
+                      <a:r>
+                        <a:rPr lang="en-US" sz="1800" b="0" strike="noStrike" spc="-1" dirty="0" err="1" smtClean="0">
+                          <a:latin typeface="Arial"/>
+                        </a:rPr>
+                        <a:t>Docker</a:t>
+                      </a:r>
+                      <a:endParaRPr lang="ru-RU" sz="1800" b="0" strike="noStrike" spc="-1" dirty="0">
+                        <a:latin typeface="Arial"/>
+                      </a:endParaRPr>
                     </a:p>
                   </a:txBody>
                   <a:tcPr marL="198000" marR="91080">
@@ -12031,8 +10278,17 @@
                         <a:rPr lang="ru-RU" sz="1800" b="0" strike="noStrike" spc="-1" dirty="0">
                           <a:latin typeface="Arial"/>
                         </a:rPr>
-                        <a:t>Практика написания тестов</a:t>
+                        <a:t>Практика </a:t>
                       </a:r>
+                      <a:r>
+                        <a:rPr lang="ru-RU" sz="1800" b="0" strike="noStrike" spc="-1" dirty="0" smtClean="0">
+                          <a:latin typeface="Arial"/>
+                        </a:rPr>
+                        <a:t>работы с новыми БД</a:t>
+                      </a:r>
+                      <a:endParaRPr lang="ru-RU" sz="1800" b="0" strike="noStrike" spc="-1" dirty="0">
+                        <a:latin typeface="Arial"/>
+                      </a:endParaRPr>
                     </a:p>
                   </a:txBody>
                   <a:tcPr marL="198000" marR="91080">
@@ -12187,7 +10443,7 @@
     <a:masterClrMapping/>
   </p:clrMapOvr>
   <mc:AlternateContent xmlns:mc="http://schemas.openxmlformats.org/markup-compatibility/2006">
-    <mc:Choice xmlns="" xmlns:p14="http://schemas.microsoft.com/office/powerpoint/2010/main" xmlns:p15="http://schemas.microsoft.com/office/powerpoint/2012/main" Requires="p14">
+    <mc:Choice xmlns:p15="http://schemas.microsoft.com/office/powerpoint/2012/main" xmlns:p14="http://schemas.microsoft.com/office/powerpoint/2010/main" xmlns="" Requires="p14">
       <p:transition spd="slow" p14:dur="2000"/>
     </mc:Choice>
     <mc:Fallback>
@@ -12287,7 +10543,7 @@
         </p:nvGraphicFramePr>
         <p:xfrm>
           <a:off x="952560" y="1544040"/>
-          <a:ext cx="7238520" cy="1476000"/>
+          <a:ext cx="7238520" cy="1845000"/>
         </p:xfrm>
         <a:graphic>
           <a:graphicData uri="http://schemas.openxmlformats.org/drawingml/2006/table">
@@ -12531,7 +10787,7 @@
                         </a:tabLst>
                       </a:pPr>
                       <a:r>
-                        <a:rPr lang="ru" sz="1300" b="1" strike="noStrike" spc="-1">
+                        <a:rPr lang="ru" sz="1300" b="1" strike="noStrike" spc="-1" dirty="0">
                           <a:solidFill>
                             <a:srgbClr val="013D85"/>
                           </a:solidFill>
@@ -12540,7 +10796,7 @@
                         </a:rPr>
                         <a:t>3.</a:t>
                       </a:r>
-                      <a:endParaRPr lang="ru-RU" sz="1300" b="0" strike="noStrike" spc="-1">
+                      <a:endParaRPr lang="ru-RU" sz="1300" b="0" strike="noStrike" spc="-1" dirty="0">
                         <a:latin typeface="Arial"/>
                       </a:endParaRPr>
                     </a:p>
@@ -12621,6 +10877,148 @@
                     <a:bodyPr/>
                     <a:lstStyle/>
                     <a:p>
+                      <a:pPr marL="0" marR="0" indent="0" defTabSz="914400" eaLnBrk="1" fontAlgn="auto" latinLnBrk="0" hangingPunct="1">
+                        <a:lnSpc>
+                          <a:spcPct val="100000"/>
+                        </a:lnSpc>
+                        <a:spcBef>
+                          <a:spcPts val="0"/>
+                        </a:spcBef>
+                        <a:spcAft>
+                          <a:spcPts val="0"/>
+                        </a:spcAft>
+                        <a:buClrTx/>
+                        <a:buSzTx/>
+                        <a:buFontTx/>
+                        <a:buNone/>
+                        <a:tabLst>
+                          <a:tab pos="0" algn="l"/>
+                        </a:tabLst>
+                        <a:defRPr/>
+                      </a:pPr>
+                      <a:r>
+                        <a:rPr lang="en-US" sz="1300" b="1" strike="noStrike" spc="-1" dirty="0" smtClean="0">
+                          <a:solidFill>
+                            <a:srgbClr val="013D85"/>
+                          </a:solidFill>
+                          <a:latin typeface="Roboto"/>
+                          <a:ea typeface="Roboto"/>
+                        </a:rPr>
+                        <a:t>4</a:t>
+                      </a:r>
+                      <a:r>
+                        <a:rPr lang="ru" sz="1300" b="1" strike="noStrike" spc="-1" dirty="0" smtClean="0">
+                          <a:solidFill>
+                            <a:srgbClr val="013D85"/>
+                          </a:solidFill>
+                          <a:latin typeface="Roboto"/>
+                          <a:ea typeface="Roboto"/>
+                        </a:rPr>
+                        <a:t>.</a:t>
+                      </a:r>
+                      <a:endParaRPr lang="ru-RU" sz="1300" b="0" strike="noStrike" spc="-1" dirty="0" smtClean="0">
+                        <a:latin typeface="+mn-lt"/>
+                      </a:endParaRPr>
+                    </a:p>
+                  </a:txBody>
+                  <a:tcPr marL="198000" marR="91080">
+                    <a:lnL w="9360">
+                      <a:solidFill>
+                        <a:srgbClr val="BFC1F0"/>
+                      </a:solidFill>
+                    </a:lnL>
+                    <a:lnR w="9360" cap="flat" cmpd="sng" algn="ctr">
+                      <a:solidFill>
+                        <a:srgbClr val="FFFFFF"/>
+                      </a:solidFill>
+                      <a:prstDash val="solid"/>
+                      <a:round/>
+                      <a:headEnd type="none" w="med" len="med"/>
+                      <a:tailEnd type="none" w="med" len="med"/>
+                    </a:lnR>
+                    <a:lnT w="9360" cap="flat" cmpd="sng" algn="ctr">
+                      <a:solidFill>
+                        <a:srgbClr val="BFC1F0"/>
+                      </a:solidFill>
+                      <a:prstDash val="solid"/>
+                      <a:round/>
+                      <a:headEnd type="none" w="med" len="med"/>
+                      <a:tailEnd type="none" w="med" len="med"/>
+                    </a:lnT>
+                    <a:lnB w="9360">
+                      <a:solidFill>
+                        <a:srgbClr val="BFC1F0"/>
+                      </a:solidFill>
+                    </a:lnB>
+                    <a:noFill/>
+                  </a:tcPr>
+                </a:tc>
+                <a:tc>
+                  <a:txBody>
+                    <a:bodyPr/>
+                    <a:lstStyle/>
+                    <a:p>
+                      <a:pPr>
+                        <a:lnSpc>
+                          <a:spcPct val="100000"/>
+                        </a:lnSpc>
+                      </a:pPr>
+                      <a:r>
+                        <a:rPr lang="en-US" sz="1800" b="0" strike="noStrike" spc="-1" dirty="0" err="1" smtClean="0">
+                          <a:latin typeface="Arial"/>
+                        </a:rPr>
+                        <a:t>Postgres</a:t>
+                      </a:r>
+                      <a:r>
+                        <a:rPr lang="en-US" sz="1800" b="0" strike="noStrike" spc="-1" dirty="0" smtClean="0">
+                          <a:latin typeface="Arial"/>
+                        </a:rPr>
+                        <a:t> 14</a:t>
+                      </a:r>
+                      <a:endParaRPr lang="ru-RU" sz="1800" b="0" strike="noStrike" spc="-1" dirty="0">
+                        <a:latin typeface="Arial"/>
+                      </a:endParaRPr>
+                    </a:p>
+                  </a:txBody>
+                  <a:tcPr marL="198000" marR="91080">
+                    <a:lnL w="9360" cap="flat" cmpd="sng" algn="ctr">
+                      <a:solidFill>
+                        <a:srgbClr val="FFFFFF"/>
+                      </a:solidFill>
+                      <a:prstDash val="solid"/>
+                      <a:round/>
+                      <a:headEnd type="none" w="med" len="med"/>
+                      <a:tailEnd type="none" w="med" len="med"/>
+                    </a:lnL>
+                    <a:lnR w="9360">
+                      <a:solidFill>
+                        <a:srgbClr val="BFC1F0"/>
+                      </a:solidFill>
+                    </a:lnR>
+                    <a:lnT w="9360" cap="flat" cmpd="sng" algn="ctr">
+                      <a:solidFill>
+                        <a:srgbClr val="BFC1F0"/>
+                      </a:solidFill>
+                      <a:prstDash val="solid"/>
+                      <a:round/>
+                      <a:headEnd type="none" w="med" len="med"/>
+                      <a:tailEnd type="none" w="med" len="med"/>
+                    </a:lnT>
+                    <a:lnB w="9360">
+                      <a:solidFill>
+                        <a:srgbClr val="BFC1F0"/>
+                      </a:solidFill>
+                    </a:lnB>
+                    <a:noFill/>
+                  </a:tcPr>
+                </a:tc>
+              </a:tr>
+              <a:tr h="369000">
+                <a:tc>
+                  <a:txBody>
+                    <a:bodyPr/>
+                    <a:lstStyle/>
+                    <a:p>
                       <a:pPr>
                         <a:lnSpc>
                           <a:spcPct val="100000"/>
@@ -12630,16 +11028,26 @@
                         </a:tabLst>
                       </a:pPr>
                       <a:r>
-                        <a:rPr lang="ru" sz="1300" b="1" strike="noStrike" spc="-1">
+                        <a:rPr lang="en-US" sz="1300" b="1" strike="noStrike" spc="-1" dirty="0" smtClean="0">
                           <a:solidFill>
                             <a:srgbClr val="013D85"/>
                           </a:solidFill>
                           <a:latin typeface="Roboto"/>
                           <a:ea typeface="Roboto"/>
                         </a:rPr>
-                        <a:t>4.</a:t>
+                        <a:t>5</a:t>
                       </a:r>
-                      <a:endParaRPr lang="ru-RU" sz="1300" b="0" strike="noStrike" spc="-1">
+                      <a:r>
+                        <a:rPr lang="ru" sz="1300" b="1" strike="noStrike" spc="-1" dirty="0" smtClean="0">
+                          <a:solidFill>
+                            <a:srgbClr val="013D85"/>
+                          </a:solidFill>
+                          <a:latin typeface="Roboto"/>
+                          <a:ea typeface="Roboto"/>
+                        </a:rPr>
+                        <a:t>.</a:t>
+                      </a:r>
+                      <a:endParaRPr lang="ru-RU" sz="1300" b="0" strike="noStrike" spc="-1" dirty="0">
                         <a:latin typeface="Arial"/>
                       </a:endParaRPr>
                     </a:p>
@@ -12721,7 +11129,7 @@
     <a:masterClrMapping/>
   </p:clrMapOvr>
   <mc:AlternateContent xmlns:mc="http://schemas.openxmlformats.org/markup-compatibility/2006">
-    <mc:Choice xmlns="" xmlns:p14="http://schemas.microsoft.com/office/powerpoint/2010/main" xmlns:p15="http://schemas.microsoft.com/office/powerpoint/2012/main" Requires="p14">
+    <mc:Choice xmlns:p15="http://schemas.microsoft.com/office/powerpoint/2012/main" xmlns:p14="http://schemas.microsoft.com/office/powerpoint/2010/main" xmlns="" Requires="p14">
       <p:transition spd="slow" p14:dur="2000"/>
     </mc:Choice>
     <mc:Fallback>
@@ -12750,428 +11158,6 @@
       </p:grpSpPr>
       <p:sp>
         <p:nvSpPr>
-          <p:cNvPr id="255" name="CustomShape 1"/>
-          <p:cNvSpPr/>
-          <p:nvPr/>
-        </p:nvSpPr>
-        <p:spPr>
-          <a:xfrm>
-            <a:off x="500400" y="330840"/>
-            <a:ext cx="8519760" cy="1095120"/>
-          </a:xfrm>
-          <a:prstGeom prst="rect">
-            <a:avLst/>
-          </a:prstGeom>
-          <a:noFill/>
-          <a:ln w="0">
-            <a:noFill/>
-          </a:ln>
-        </p:spPr>
-        <p:style>
-          <a:lnRef idx="0">
-            <a:scrgbClr r="0" g="0" b="0"/>
-          </a:lnRef>
-          <a:fillRef idx="0">
-            <a:scrgbClr r="0" g="0" b="0"/>
-          </a:fillRef>
-          <a:effectRef idx="0">
-            <a:scrgbClr r="0" g="0" b="0"/>
-          </a:effectRef>
-          <a:fontRef idx="minor"/>
-        </p:style>
-        <p:txBody>
-          <a:bodyPr lIns="90000" tIns="91440" rIns="90000" bIns="91440">
-            <a:noAutofit/>
-          </a:bodyPr>
-          <a:lstStyle/>
-          <a:p>
-            <a:pPr>
-              <a:lnSpc>
-                <a:spcPct val="100000"/>
-              </a:lnSpc>
-              <a:tabLst>
-                <a:tab pos="0" algn="l"/>
-              </a:tabLst>
-            </a:pPr>
-            <a:r>
-              <a:rPr lang="ru" sz="3000" b="1" strike="noStrike" spc="-1">
-                <a:solidFill>
-                  <a:srgbClr val="000000"/>
-                </a:solidFill>
-                <a:latin typeface="Roboto"/>
-                <a:ea typeface="Roboto"/>
-              </a:rPr>
-              <a:t>Что получилось</a:t>
-            </a:r>
-            <a:endParaRPr lang="ru-RU" sz="3000" b="0" strike="noStrike" spc="-1">
-              <a:latin typeface="Arial"/>
-            </a:endParaRPr>
-          </a:p>
-        </p:txBody>
-      </p:sp>
-      <p:sp>
-        <p:nvSpPr>
-          <p:cNvPr id="256" name="CustomShape 2"/>
-          <p:cNvSpPr/>
-          <p:nvPr/>
-        </p:nvSpPr>
-        <p:spPr>
-          <a:xfrm>
-            <a:off x="668520" y="1211760"/>
-            <a:ext cx="3920760" cy="3485520"/>
-          </a:xfrm>
-          <a:prstGeom prst="rect">
-            <a:avLst/>
-          </a:prstGeom>
-          <a:noFill/>
-          <a:ln w="0">
-            <a:noFill/>
-          </a:ln>
-        </p:spPr>
-        <p:style>
-          <a:lnRef idx="0">
-            <a:scrgbClr r="0" g="0" b="0"/>
-          </a:lnRef>
-          <a:fillRef idx="0">
-            <a:scrgbClr r="0" g="0" b="0"/>
-          </a:fillRef>
-          <a:effectRef idx="0">
-            <a:scrgbClr r="0" g="0" b="0"/>
-          </a:effectRef>
-          <a:fontRef idx="minor"/>
-        </p:style>
-      </p:sp>
-      <p:sp>
-        <p:nvSpPr>
-          <p:cNvPr id="257" name="CustomShape 3"/>
-          <p:cNvSpPr/>
-          <p:nvPr/>
-        </p:nvSpPr>
-        <p:spPr>
-          <a:xfrm>
-            <a:off x="405360" y="1080000"/>
-            <a:ext cx="6254640" cy="360000"/>
-          </a:xfrm>
-          <a:prstGeom prst="rect">
-            <a:avLst/>
-          </a:prstGeom>
-          <a:noFill/>
-          <a:ln w="0">
-            <a:noFill/>
-          </a:ln>
-        </p:spPr>
-        <p:style>
-          <a:lnRef idx="0">
-            <a:scrgbClr r="0" g="0" b="0"/>
-          </a:lnRef>
-          <a:fillRef idx="0">
-            <a:scrgbClr r="0" g="0" b="0"/>
-          </a:fillRef>
-          <a:effectRef idx="0">
-            <a:scrgbClr r="0" g="0" b="0"/>
-          </a:effectRef>
-          <a:fontRef idx="minor"/>
-        </p:style>
-        <p:txBody>
-          <a:bodyPr lIns="90000" tIns="45000" rIns="90000" bIns="45000">
-            <a:noAutofit/>
-          </a:bodyPr>
-          <a:lstStyle/>
-          <a:p>
-            <a:pPr>
-              <a:lnSpc>
-                <a:spcPct val="100000"/>
-              </a:lnSpc>
-            </a:pPr>
-            <a:r>
-              <a:rPr lang="en-US" sz="1400" b="0" u="sng" strike="noStrike" spc="-1" dirty="0" smtClean="0">
-                <a:solidFill>
-                  <a:srgbClr val="0097A7"/>
-                </a:solidFill>
-                <a:uFillTx/>
-                <a:latin typeface="Roboto"/>
-                <a:ea typeface="Roboto"/>
-              </a:rPr>
-              <a:t>https://github.com/YaroslavErlikh/smart-links</a:t>
-            </a:r>
-            <a:endParaRPr lang="ru-RU" sz="1400" b="0" strike="noStrike" spc="-1" dirty="0">
-              <a:latin typeface="Arial"/>
-            </a:endParaRPr>
-          </a:p>
-        </p:txBody>
-      </p:sp>
-      <p:pic>
-        <p:nvPicPr>
-          <p:cNvPr id="258" name="Рисунок 257"/>
-          <p:cNvPicPr/>
-          <p:nvPr/>
-        </p:nvPicPr>
-        <p:blipFill>
-          <a:blip r:embed="rId2"/>
-          <a:stretch/>
-        </p:blipFill>
-        <p:spPr>
-          <a:xfrm>
-            <a:off x="2714612" y="1500180"/>
-            <a:ext cx="3000396" cy="857256"/>
-          </a:xfrm>
-          <a:prstGeom prst="rect">
-            <a:avLst/>
-          </a:prstGeom>
-          <a:ln w="0">
-            <a:noFill/>
-          </a:ln>
-        </p:spPr>
-      </p:pic>
-      <p:pic>
-        <p:nvPicPr>
-          <p:cNvPr id="259" name="Рисунок 258"/>
-          <p:cNvPicPr/>
-          <p:nvPr/>
-        </p:nvPicPr>
-        <p:blipFill>
-          <a:blip r:embed="rId3"/>
-          <a:stretch/>
-        </p:blipFill>
-        <p:spPr>
-          <a:xfrm>
-            <a:off x="5857884" y="1571618"/>
-            <a:ext cx="2571768" cy="857318"/>
-          </a:xfrm>
-          <a:prstGeom prst="rect">
-            <a:avLst/>
-          </a:prstGeom>
-          <a:ln w="0">
-            <a:noFill/>
-          </a:ln>
-        </p:spPr>
-      </p:pic>
-      <p:pic>
-        <p:nvPicPr>
-          <p:cNvPr id="260" name="Рисунок 259"/>
-          <p:cNvPicPr/>
-          <p:nvPr/>
-        </p:nvPicPr>
-        <p:blipFill>
-          <a:blip r:embed="rId4"/>
-          <a:stretch/>
-        </p:blipFill>
-        <p:spPr>
-          <a:xfrm>
-            <a:off x="5857884" y="2571750"/>
-            <a:ext cx="2857520" cy="1071570"/>
-          </a:xfrm>
-          <a:prstGeom prst="rect">
-            <a:avLst/>
-          </a:prstGeom>
-          <a:ln w="0">
-            <a:noFill/>
-          </a:ln>
-        </p:spPr>
-      </p:pic>
-      <p:pic>
-        <p:nvPicPr>
-          <p:cNvPr id="261" name="Рисунок 260"/>
-          <p:cNvPicPr/>
-          <p:nvPr/>
-        </p:nvPicPr>
-        <p:blipFill>
-          <a:blip r:embed="rId5"/>
-          <a:stretch/>
-        </p:blipFill>
-        <p:spPr>
-          <a:xfrm>
-            <a:off x="2857488" y="2500312"/>
-            <a:ext cx="2649960" cy="1800000"/>
-          </a:xfrm>
-          <a:prstGeom prst="rect">
-            <a:avLst/>
-          </a:prstGeom>
-          <a:ln w="0">
-            <a:noFill/>
-          </a:ln>
-        </p:spPr>
-      </p:pic>
-      <p:pic>
-        <p:nvPicPr>
-          <p:cNvPr id="262" name="Рисунок 261"/>
-          <p:cNvPicPr/>
-          <p:nvPr/>
-        </p:nvPicPr>
-        <p:blipFill>
-          <a:blip r:embed="rId6"/>
-          <a:stretch/>
-        </p:blipFill>
-        <p:spPr>
-          <a:xfrm>
-            <a:off x="5857884" y="3714758"/>
-            <a:ext cx="2857520" cy="928694"/>
-          </a:xfrm>
-          <a:prstGeom prst="rect">
-            <a:avLst/>
-          </a:prstGeom>
-          <a:ln w="0">
-            <a:noFill/>
-          </a:ln>
-        </p:spPr>
-      </p:pic>
-      <p:pic>
-        <p:nvPicPr>
-          <p:cNvPr id="2052" name="Picture 4"/>
-          <p:cNvPicPr>
-            <a:picLocks noChangeAspect="1" noChangeArrowheads="1"/>
-          </p:cNvPicPr>
-          <p:nvPr/>
-        </p:nvPicPr>
-        <p:blipFill>
-          <a:blip r:embed="rId7"/>
-          <a:srcRect/>
-          <a:stretch>
-            <a:fillRect/>
-          </a:stretch>
-        </p:blipFill>
-        <p:spPr bwMode="auto">
-          <a:xfrm>
-            <a:off x="428596" y="1428742"/>
-            <a:ext cx="2238380" cy="3581408"/>
-          </a:xfrm>
-          <a:prstGeom prst="rect">
-            <a:avLst/>
-          </a:prstGeom>
-          <a:noFill/>
-          <a:ln w="9525">
-            <a:noFill/>
-            <a:miter lim="800000"/>
-            <a:headEnd/>
-            <a:tailEnd/>
-          </a:ln>
-          <a:effectLst/>
-        </p:spPr>
-      </p:pic>
-    </p:spTree>
-  </p:cSld>
-  <p:clrMapOvr>
-    <a:masterClrMapping/>
-  </p:clrMapOvr>
-  <mc:AlternateContent xmlns:mc="http://schemas.openxmlformats.org/markup-compatibility/2006">
-    <mc:Choice xmlns="" xmlns:p14="http://schemas.microsoft.com/office/powerpoint/2010/main" xmlns:p15="http://schemas.microsoft.com/office/powerpoint/2012/main" Requires="p14">
-      <p:transition spd="slow" p14:dur="2000"/>
-    </mc:Choice>
-    <mc:Fallback>
-      <p:transition spd="slow"/>
-    </mc:Fallback>
-  </mc:AlternateContent>
-</p:sld>
-</file>
-
-<file path=ppt/slides/slide8.xml><?xml version="1.0" encoding="utf-8"?>
-<p:sld xmlns:a="http://schemas.openxmlformats.org/drawingml/2006/main" xmlns:r="http://schemas.openxmlformats.org/officeDocument/2006/relationships" xmlns:p="http://schemas.openxmlformats.org/presentationml/2006/main">
-  <p:cSld>
-    <p:spTree>
-      <p:nvGrpSpPr>
-        <p:cNvPr id="1" name=""/>
-        <p:cNvGrpSpPr/>
-        <p:nvPr/>
-      </p:nvGrpSpPr>
-      <p:grpSpPr>
-        <a:xfrm>
-          <a:off x="0" y="0"/>
-          <a:ext cx="0" cy="0"/>
-          <a:chOff x="0" y="0"/>
-          <a:chExt cx="0" cy="0"/>
-        </a:xfrm>
-      </p:grpSpPr>
-      <p:pic>
-        <p:nvPicPr>
-          <p:cNvPr id="1026" name="Picture 2" descr="D:\Projects\otus-main-pattrns-project\doc\arch.png"/>
-          <p:cNvPicPr>
-            <a:picLocks noChangeAspect="1" noChangeArrowheads="1"/>
-          </p:cNvPicPr>
-          <p:nvPr/>
-        </p:nvPicPr>
-        <p:blipFill>
-          <a:blip r:embed="rId2"/>
-          <a:srcRect/>
-          <a:stretch>
-            <a:fillRect/>
-          </a:stretch>
-        </p:blipFill>
-        <p:spPr bwMode="auto">
-          <a:xfrm>
-            <a:off x="1571604" y="928676"/>
-            <a:ext cx="5629275" cy="4000500"/>
-          </a:xfrm>
-          <a:prstGeom prst="rect">
-            <a:avLst/>
-          </a:prstGeom>
-          <a:noFill/>
-        </p:spPr>
-      </p:pic>
-      <p:sp>
-        <p:nvSpPr>
-          <p:cNvPr id="5" name="TextBox 4"/>
-          <p:cNvSpPr txBox="1"/>
-          <p:nvPr/>
-        </p:nvSpPr>
-        <p:spPr>
-          <a:xfrm>
-            <a:off x="2857488" y="285734"/>
-            <a:ext cx="2892780" cy="369332"/>
-          </a:xfrm>
-          <a:prstGeom prst="rect">
-            <a:avLst/>
-          </a:prstGeom>
-          <a:noFill/>
-        </p:spPr>
-        <p:txBody>
-          <a:bodyPr wrap="none" rtlCol="0">
-            <a:spAutoFit/>
-          </a:bodyPr>
-          <a:lstStyle/>
-          <a:p>
-            <a:r>
-              <a:rPr lang="ru-RU" dirty="0" smtClean="0"/>
-              <a:t>Архитектура приложения</a:t>
-            </a:r>
-            <a:endParaRPr lang="ru-RU" dirty="0"/>
-          </a:p>
-        </p:txBody>
-      </p:sp>
-    </p:spTree>
-  </p:cSld>
-  <p:clrMapOvr>
-    <a:masterClrMapping/>
-  </p:clrMapOvr>
-  <mc:AlternateContent xmlns:mc="http://schemas.openxmlformats.org/markup-compatibility/2006">
-    <mc:Choice xmlns="" xmlns:p14="http://schemas.microsoft.com/office/powerpoint/2010/main" xmlns:p15="http://schemas.microsoft.com/office/powerpoint/2012/main" Requires="p14">
-      <p:transition spd="slow" p14:dur="2000"/>
-    </mc:Choice>
-    <mc:Fallback>
-      <p:transition spd="slow"/>
-    </mc:Fallback>
-  </mc:AlternateContent>
-</p:sld>
-</file>
-
-<file path=ppt/slides/slide9.xml><?xml version="1.0" encoding="utf-8"?>
-<p:sld xmlns:a="http://schemas.openxmlformats.org/drawingml/2006/main" xmlns:r="http://schemas.openxmlformats.org/officeDocument/2006/relationships" xmlns:p="http://schemas.openxmlformats.org/presentationml/2006/main">
-  <p:cSld>
-    <p:spTree>
-      <p:nvGrpSpPr>
-        <p:cNvPr id="1" name=""/>
-        <p:cNvGrpSpPr/>
-        <p:nvPr/>
-      </p:nvGrpSpPr>
-      <p:grpSpPr>
-        <a:xfrm>
-          <a:off x="0" y="0"/>
-          <a:ext cx="0" cy="0"/>
-          <a:chOff x="0" y="0"/>
-          <a:chExt cx="0" cy="0"/>
-        </a:xfrm>
-      </p:grpSpPr>
-      <p:sp>
-        <p:nvSpPr>
           <p:cNvPr id="266" name="CustomShape 1"/>
           <p:cNvSpPr/>
           <p:nvPr/>
@@ -13243,7 +11229,7 @@
         </p:nvGraphicFramePr>
         <p:xfrm>
           <a:off x="952560" y="1544040"/>
-          <a:ext cx="7238520" cy="1476000"/>
+          <a:ext cx="7238520" cy="1845000"/>
         </p:xfrm>
         <a:graphic>
           <a:graphicData uri="http://schemas.openxmlformats.org/drawingml/2006/table">
@@ -13637,10 +11623,14 @@
                         <a:srgbClr val="BFC1F0"/>
                       </a:solidFill>
                     </a:lnT>
-                    <a:lnB w="9360">
+                    <a:lnB w="9360" cap="flat" cmpd="sng" algn="ctr">
                       <a:solidFill>
                         <a:srgbClr val="BFC1F0"/>
                       </a:solidFill>
+                      <a:prstDash val="solid"/>
+                      <a:round/>
+                      <a:headEnd type="none" w="med" len="med"/>
+                      <a:tailEnd type="none" w="med" len="med"/>
                     </a:lnB>
                     <a:noFill/>
                   </a:tcPr>
@@ -13682,6 +11672,127 @@
                         <a:srgbClr val="BFC1F0"/>
                       </a:solidFill>
                     </a:lnT>
+                    <a:lnB w="9360" cap="flat" cmpd="sng" algn="ctr">
+                      <a:solidFill>
+                        <a:srgbClr val="BFC1F0"/>
+                      </a:solidFill>
+                      <a:prstDash val="solid"/>
+                      <a:round/>
+                      <a:headEnd type="none" w="med" len="med"/>
+                      <a:tailEnd type="none" w="med" len="med"/>
+                    </a:lnB>
+                    <a:noFill/>
+                  </a:tcPr>
+                </a:tc>
+              </a:tr>
+              <a:tr h="369000">
+                <a:tc>
+                  <a:txBody>
+                    <a:bodyPr/>
+                    <a:lstStyle/>
+                    <a:p>
+                      <a:pPr>
+                        <a:lnSpc>
+                          <a:spcPct val="100000"/>
+                        </a:lnSpc>
+                        <a:tabLst>
+                          <a:tab pos="0" algn="l"/>
+                        </a:tabLst>
+                      </a:pPr>
+                      <a:r>
+                        <a:rPr lang="ru" sz="1300" b="1" strike="noStrike" spc="-1" dirty="0" smtClean="0">
+                          <a:solidFill>
+                            <a:srgbClr val="013D85"/>
+                          </a:solidFill>
+                          <a:latin typeface="Roboto"/>
+                          <a:ea typeface="Roboto"/>
+                        </a:rPr>
+                        <a:t>5.</a:t>
+                      </a:r>
+                      <a:endParaRPr lang="ru" sz="1300" b="1" strike="noStrike" spc="-1" dirty="0" smtClean="0">
+                        <a:solidFill>
+                          <a:srgbClr val="013D85"/>
+                        </a:solidFill>
+                        <a:latin typeface="Roboto"/>
+                        <a:ea typeface="Roboto"/>
+                      </a:endParaRPr>
+                    </a:p>
+                  </a:txBody>
+                  <a:tcPr marL="198000" marR="91080">
+                    <a:lnL w="9360">
+                      <a:solidFill>
+                        <a:srgbClr val="BFC1F0"/>
+                      </a:solidFill>
+                    </a:lnL>
+                    <a:lnR w="9360" cap="flat" cmpd="sng" algn="ctr">
+                      <a:solidFill>
+                        <a:srgbClr val="FFFFFF"/>
+                      </a:solidFill>
+                      <a:prstDash val="solid"/>
+                      <a:round/>
+                      <a:headEnd type="none" w="med" len="med"/>
+                      <a:tailEnd type="none" w="med" len="med"/>
+                    </a:lnR>
+                    <a:lnT w="9360">
+                      <a:solidFill>
+                        <a:srgbClr val="BFC1F0"/>
+                      </a:solidFill>
+                    </a:lnT>
+                    <a:lnB w="9360">
+                      <a:solidFill>
+                        <a:srgbClr val="BFC1F0"/>
+                      </a:solidFill>
+                    </a:lnB>
+                    <a:noFill/>
+                  </a:tcPr>
+                </a:tc>
+                <a:tc>
+                  <a:txBody>
+                    <a:bodyPr/>
+                    <a:lstStyle/>
+                    <a:p>
+                      <a:pPr>
+                        <a:lnSpc>
+                          <a:spcPct val="100000"/>
+                        </a:lnSpc>
+                      </a:pPr>
+                      <a:r>
+                        <a:rPr lang="ru-RU" sz="1800" b="0" strike="noStrike" spc="-1" dirty="0" smtClean="0">
+                          <a:latin typeface="Arial"/>
+                        </a:rPr>
+                        <a:t>Практика в </a:t>
+                      </a:r>
+                      <a:r>
+                        <a:rPr lang="en-US" sz="1800" b="0" strike="noStrike" spc="-1" dirty="0" smtClean="0">
+                          <a:latin typeface="Arial"/>
+                        </a:rPr>
+                        <a:t>Groovy</a:t>
+                      </a:r>
+                      <a:endParaRPr lang="ru-RU" sz="1800" b="0" strike="noStrike" spc="-1" dirty="0" smtClean="0">
+                        <a:latin typeface="Arial"/>
+                      </a:endParaRPr>
+                    </a:p>
+                  </a:txBody>
+                  <a:tcPr marL="198000" marR="91080">
+                    <a:lnL w="9360" cap="flat" cmpd="sng" algn="ctr">
+                      <a:solidFill>
+                        <a:srgbClr val="FFFFFF"/>
+                      </a:solidFill>
+                      <a:prstDash val="solid"/>
+                      <a:round/>
+                      <a:headEnd type="none" w="med" len="med"/>
+                      <a:tailEnd type="none" w="med" len="med"/>
+                    </a:lnL>
+                    <a:lnR w="9360">
+                      <a:solidFill>
+                        <a:srgbClr val="BFC1F0"/>
+                      </a:solidFill>
+                    </a:lnR>
+                    <a:lnT w="9360">
+                      <a:solidFill>
+                        <a:srgbClr val="BFC1F0"/>
+                      </a:solidFill>
+                    </a:lnT>
                     <a:lnB w="9360">
                       <a:solidFill>
                         <a:srgbClr val="BFC1F0"/>
@@ -13701,7 +11812,105 @@
     <a:masterClrMapping/>
   </p:clrMapOvr>
   <mc:AlternateContent xmlns:mc="http://schemas.openxmlformats.org/markup-compatibility/2006">
-    <mc:Choice xmlns="" xmlns:p14="http://schemas.microsoft.com/office/powerpoint/2010/main" xmlns:p15="http://schemas.microsoft.com/office/powerpoint/2012/main" Requires="p14">
+    <mc:Choice xmlns:p15="http://schemas.microsoft.com/office/powerpoint/2012/main" xmlns:p14="http://schemas.microsoft.com/office/powerpoint/2010/main" xmlns="" Requires="p14">
+      <p:transition spd="slow" p14:dur="2000"/>
+    </mc:Choice>
+    <mc:Fallback>
+      <p:transition spd="slow"/>
+    </mc:Fallback>
+  </mc:AlternateContent>
+</p:sld>
+</file>
+
+<file path=ppt/slides/slide8.xml><?xml version="1.0" encoding="utf-8"?>
+<p:sld xmlns:a="http://schemas.openxmlformats.org/drawingml/2006/main" xmlns:r="http://schemas.openxmlformats.org/officeDocument/2006/relationships" xmlns:p="http://schemas.openxmlformats.org/presentationml/2006/main">
+  <p:cSld>
+    <p:spTree>
+      <p:nvGrpSpPr>
+        <p:cNvPr id="1" name=""/>
+        <p:cNvGrpSpPr/>
+        <p:nvPr/>
+      </p:nvGrpSpPr>
+      <p:grpSpPr>
+        <a:xfrm>
+          <a:off x="0" y="0"/>
+          <a:ext cx="0" cy="0"/>
+          <a:chOff x="0" y="0"/>
+          <a:chExt cx="0" cy="0"/>
+        </a:xfrm>
+      </p:grpSpPr>
+      <p:sp>
+        <p:nvSpPr>
+          <p:cNvPr id="268" name="CustomShape 1"/>
+          <p:cNvSpPr/>
+          <p:nvPr/>
+        </p:nvSpPr>
+        <p:spPr>
+          <a:xfrm>
+            <a:off x="651600" y="396360"/>
+            <a:ext cx="7705440" cy="4089960"/>
+          </a:xfrm>
+          <a:prstGeom prst="rect">
+            <a:avLst/>
+          </a:prstGeom>
+          <a:noFill/>
+          <a:ln w="0">
+            <a:noFill/>
+          </a:ln>
+        </p:spPr>
+        <p:style>
+          <a:lnRef idx="0">
+            <a:scrgbClr r="0" g="0" b="0"/>
+          </a:lnRef>
+          <a:fillRef idx="0">
+            <a:scrgbClr r="0" g="0" b="0"/>
+          </a:fillRef>
+          <a:effectRef idx="0">
+            <a:scrgbClr r="0" g="0" b="0"/>
+          </a:effectRef>
+          <a:fontRef idx="minor"/>
+        </p:style>
+        <p:txBody>
+          <a:bodyPr lIns="90000" tIns="91440" rIns="90000" bIns="91440" anchor="ctr">
+            <a:noAutofit/>
+          </a:bodyPr>
+          <a:lstStyle/>
+          <a:p>
+            <a:pPr>
+              <a:lnSpc>
+                <a:spcPct val="100000"/>
+              </a:lnSpc>
+              <a:tabLst>
+                <a:tab pos="0" algn="l"/>
+              </a:tabLst>
+            </a:pPr>
+            <a:r>
+              <a:rPr lang="ru" sz="4900" b="1" strike="noStrike" spc="-1">
+                <a:solidFill>
+                  <a:srgbClr val="FFFFFF"/>
+                </a:solidFill>
+                <a:latin typeface="Roboto"/>
+                <a:ea typeface="Roboto"/>
+              </a:rPr>
+              <a:t>Спасибо за внимание!</a:t>
+            </a:r>
+            <a:r>
+              <a:t/>
+            </a:r>
+            <a:br/>
+            <a:endParaRPr lang="ru-RU" sz="4900" b="0" strike="noStrike" spc="-1">
+              <a:latin typeface="Arial"/>
+            </a:endParaRPr>
+          </a:p>
+        </p:txBody>
+      </p:sp>
+    </p:spTree>
+  </p:cSld>
+  <p:clrMapOvr>
+    <a:masterClrMapping/>
+  </p:clrMapOvr>
+  <mc:AlternateContent xmlns:mc="http://schemas.openxmlformats.org/markup-compatibility/2006">
+    <mc:Choice xmlns:p15="http://schemas.microsoft.com/office/powerpoint/2012/main" xmlns:p14="http://schemas.microsoft.com/office/powerpoint/2010/main" xmlns="" Requires="p14">
       <p:transition spd="slow" p14:dur="2000"/>
     </mc:Choice>
     <mc:Fallback>
@@ -14849,232 +13058,4 @@
   <a:objectDefaults/>
   <a:extraClrSchemeLst/>
 </a:theme>
-</file>
-
-<file path=ppt/theme/theme6.xml><?xml version="1.0" encoding="utf-8"?>
-<a:theme xmlns:a="http://schemas.openxmlformats.org/drawingml/2006/main" name="Office Theme">
-  <a:themeElements>
-    <a:clrScheme name="Office">
-      <a:dk1>
-        <a:sysClr val="windowText" lastClr="000000"/>
-      </a:dk1>
-      <a:lt1>
-        <a:sysClr val="window" lastClr="FFFFFF"/>
-      </a:lt1>
-      <a:dk2>
-        <a:srgbClr val="595959"/>
-      </a:dk2>
-      <a:lt2>
-        <a:srgbClr val="EEEEEE"/>
-      </a:lt2>
-      <a:accent1>
-        <a:srgbClr val="4285F4"/>
-      </a:accent1>
-      <a:accent2>
-        <a:srgbClr val="212121"/>
-      </a:accent2>
-      <a:accent3>
-        <a:srgbClr val="78909C"/>
-      </a:accent3>
-      <a:accent4>
-        <a:srgbClr val="FFAB40"/>
-      </a:accent4>
-      <a:accent5>
-        <a:srgbClr val="0097A7"/>
-      </a:accent5>
-      <a:accent6>
-        <a:srgbClr val="EEFF41"/>
-      </a:accent6>
-      <a:hlink>
-        <a:srgbClr val="0097A7"/>
-      </a:hlink>
-      <a:folHlink>
-        <a:srgbClr val="0097A7"/>
-      </a:folHlink>
-    </a:clrScheme>
-    <a:fontScheme name="Office">
-      <a:majorFont>
-        <a:latin typeface="Arial"/>
-        <a:ea typeface="DejaVu Sans"/>
-        <a:cs typeface="DejaVu Sans"/>
-      </a:majorFont>
-      <a:minorFont>
-        <a:latin typeface="Arial"/>
-        <a:ea typeface="DejaVu Sans"/>
-        <a:cs typeface="DejaVu Sans"/>
-      </a:minorFont>
-    </a:fontScheme>
-    <a:fmtScheme name="Office">
-      <a:fillStyleLst>
-        <a:solidFill>
-          <a:schemeClr val="phClr"/>
-        </a:solidFill>
-        <a:gradFill rotWithShape="1">
-          <a:gsLst>
-            <a:gs pos="0">
-              <a:schemeClr val="phClr">
-                <a:tint val="50000"/>
-                <a:satMod val="300000"/>
-              </a:schemeClr>
-            </a:gs>
-            <a:gs pos="35000">
-              <a:schemeClr val="phClr">
-                <a:tint val="37000"/>
-                <a:satMod val="300000"/>
-              </a:schemeClr>
-            </a:gs>
-            <a:gs pos="100000">
-              <a:schemeClr val="phClr">
-                <a:tint val="15000"/>
-                <a:satMod val="350000"/>
-              </a:schemeClr>
-            </a:gs>
-          </a:gsLst>
-          <a:lin ang="16200000" scaled="1"/>
-        </a:gradFill>
-        <a:gradFill rotWithShape="1">
-          <a:gsLst>
-            <a:gs pos="0">
-              <a:schemeClr val="phClr">
-                <a:shade val="51000"/>
-                <a:satMod val="130000"/>
-              </a:schemeClr>
-            </a:gs>
-            <a:gs pos="80000">
-              <a:schemeClr val="phClr">
-                <a:shade val="93000"/>
-                <a:satMod val="130000"/>
-              </a:schemeClr>
-            </a:gs>
-            <a:gs pos="100000">
-              <a:schemeClr val="phClr">
-                <a:shade val="94000"/>
-                <a:satMod val="135000"/>
-              </a:schemeClr>
-            </a:gs>
-          </a:gsLst>
-          <a:lin ang="16200000" scaled="0"/>
-        </a:gradFill>
-      </a:fillStyleLst>
-      <a:lnStyleLst>
-        <a:ln w="9525" cap="flat" cmpd="sng" algn="ctr">
-          <a:solidFill>
-            <a:schemeClr val="phClr">
-              <a:shade val="95000"/>
-              <a:satMod val="105000"/>
-            </a:schemeClr>
-          </a:solidFill>
-          <a:prstDash val="solid"/>
-          <a:miter/>
-        </a:ln>
-        <a:ln w="25400" cap="flat" cmpd="sng" algn="ctr">
-          <a:solidFill>
-            <a:schemeClr val="phClr"/>
-          </a:solidFill>
-          <a:prstDash val="solid"/>
-          <a:miter/>
-        </a:ln>
-        <a:ln w="38100" cap="flat" cmpd="sng" algn="ctr">
-          <a:solidFill>
-            <a:schemeClr val="phClr"/>
-          </a:solidFill>
-          <a:prstDash val="solid"/>
-          <a:miter/>
-        </a:ln>
-      </a:lnStyleLst>
-      <a:effectStyleLst>
-        <a:effectStyle>
-          <a:effectLst>
-            <a:outerShdw blurRad="40000" dist="20000" dir="5400000" rotWithShape="0">
-              <a:srgbClr val="000000">
-                <a:alpha val="38000"/>
-              </a:srgbClr>
-            </a:outerShdw>
-          </a:effectLst>
-        </a:effectStyle>
-        <a:effectStyle>
-          <a:effectLst>
-            <a:outerShdw blurRad="40000" dist="23000" dir="5400000" rotWithShape="0">
-              <a:srgbClr val="000000">
-                <a:alpha val="35000"/>
-              </a:srgbClr>
-            </a:outerShdw>
-          </a:effectLst>
-        </a:effectStyle>
-        <a:effectStyle>
-          <a:effectLst>
-            <a:outerShdw blurRad="40000" dist="23000" dir="5400000" rotWithShape="0">
-              <a:srgbClr val="000000">
-                <a:alpha val="35000"/>
-              </a:srgbClr>
-            </a:outerShdw>
-          </a:effectLst>
-          <a:scene3d>
-            <a:camera prst="orthographicFront">
-              <a:rot lat="0" lon="0" rev="0"/>
-            </a:camera>
-            <a:lightRig rig="threePt" dir="t">
-              <a:rot lat="0" lon="0" rev="1200000"/>
-            </a:lightRig>
-          </a:scene3d>
-          <a:sp3d>
-            <a:bevelT w="63500" h="25400"/>
-          </a:sp3d>
-        </a:effectStyle>
-      </a:effectStyleLst>
-      <a:bgFillStyleLst>
-        <a:solidFill>
-          <a:schemeClr val="phClr"/>
-        </a:solidFill>
-        <a:gradFill rotWithShape="1">
-          <a:gsLst>
-            <a:gs pos="0">
-              <a:schemeClr val="phClr">
-                <a:tint val="40000"/>
-                <a:satMod val="350000"/>
-              </a:schemeClr>
-            </a:gs>
-            <a:gs pos="40000">
-              <a:schemeClr val="phClr">
-                <a:tint val="45000"/>
-                <a:shade val="99000"/>
-                <a:satMod val="350000"/>
-              </a:schemeClr>
-            </a:gs>
-            <a:gs pos="100000">
-              <a:schemeClr val="phClr">
-                <a:shade val="20000"/>
-                <a:satMod val="255000"/>
-              </a:schemeClr>
-            </a:gs>
-          </a:gsLst>
-          <a:path path="circle">
-            <a:fillToRect l="50000" t="-80000" r="50000" b="180000"/>
-          </a:path>
-        </a:gradFill>
-        <a:gradFill rotWithShape="1">
-          <a:gsLst>
-            <a:gs pos="0">
-              <a:schemeClr val="phClr">
-                <a:tint val="80000"/>
-                <a:satMod val="300000"/>
-              </a:schemeClr>
-            </a:gs>
-            <a:gs pos="100000">
-              <a:schemeClr val="phClr">
-                <a:shade val="30000"/>
-                <a:satMod val="200000"/>
-              </a:schemeClr>
-            </a:gs>
-          </a:gsLst>
-          <a:path path="circle">
-            <a:fillToRect l="50000" t="50000" r="50000" b="50000"/>
-          </a:path>
-        </a:gradFill>
-      </a:bgFillStyleLst>
-    </a:fmtScheme>
-  </a:themeElements>
-  <a:objectDefaults/>
-  <a:extraClrSchemeLst/>
-</a:theme>
 </file>